--- a/504_Basic_QtApp.pptx
+++ b/504_Basic_QtApp.pptx
@@ -5,14 +5,23 @@
     <p:sldMasterId id="2147483648" r:id="rId1"/>
   </p:sldMasterIdLst>
   <p:notesMasterIdLst>
-    <p:notesMasterId r:id="rId7"/>
+    <p:notesMasterId r:id="rId16"/>
   </p:notesMasterIdLst>
   <p:sldIdLst>
     <p:sldId id="256" r:id="rId2"/>
     <p:sldId id="262" r:id="rId3"/>
     <p:sldId id="296" r:id="rId4"/>
-    <p:sldId id="306" r:id="rId5"/>
-    <p:sldId id="259" r:id="rId6"/>
+    <p:sldId id="307" r:id="rId5"/>
+    <p:sldId id="312" r:id="rId6"/>
+    <p:sldId id="308" r:id="rId7"/>
+    <p:sldId id="309" r:id="rId8"/>
+    <p:sldId id="306" r:id="rId9"/>
+    <p:sldId id="310" r:id="rId10"/>
+    <p:sldId id="311" r:id="rId11"/>
+    <p:sldId id="313" r:id="rId12"/>
+    <p:sldId id="314" r:id="rId13"/>
+    <p:sldId id="315" r:id="rId14"/>
+    <p:sldId id="259" r:id="rId15"/>
   </p:sldIdLst>
   <p:sldSz cx="9144000" cy="6858000" type="screen4x3"/>
   <p:notesSz cx="6858000" cy="9144000"/>
@@ -3600,7 +3609,7 @@
 </p:sld>
 </file>
 
-<file path=ppt/slides/slide2.xml><?xml version="1.0" encoding="utf-8"?>
+<file path=ppt/slides/slide10.xml><?xml version="1.0" encoding="utf-8"?>
 <p:sld xmlns:a="http://schemas.openxmlformats.org/drawingml/2006/main" xmlns:r="http://schemas.openxmlformats.org/officeDocument/2006/relationships" xmlns:p="http://schemas.openxmlformats.org/presentationml/2006/main">
   <p:cSld>
     <p:spTree>
@@ -3617,6 +3626,41 @@
           <a:chExt cx="0" cy="0"/>
         </a:xfrm>
       </p:grpSpPr>
+      <p:pic>
+        <p:nvPicPr>
+          <p:cNvPr id="24" name="Picture 23">
+            <a:extLst>
+              <a:ext uri="{FF2B5EF4-FFF2-40B4-BE49-F238E27FC236}">
+                <a16:creationId xmlns:a16="http://schemas.microsoft.com/office/drawing/2014/main" id="{EB4C631F-EB79-087C-7003-47CE4F95C756}"/>
+              </a:ext>
+            </a:extLst>
+          </p:cNvPr>
+          <p:cNvPicPr>
+            <a:picLocks noChangeAspect="1"/>
+          </p:cNvPicPr>
+          <p:nvPr/>
+        </p:nvPicPr>
+        <p:blipFill>
+          <a:blip r:embed="rId2"/>
+          <a:stretch>
+            <a:fillRect/>
+          </a:stretch>
+        </p:blipFill>
+        <p:spPr>
+          <a:xfrm>
+            <a:off x="3677504" y="3442730"/>
+            <a:ext cx="5219700" cy="2724150"/>
+          </a:xfrm>
+          <a:prstGeom prst="rect">
+            <a:avLst/>
+          </a:prstGeom>
+          <a:ln>
+            <a:solidFill>
+              <a:srgbClr val="C00000"/>
+            </a:solidFill>
+          </a:ln>
+        </p:spPr>
+      </p:pic>
       <p:sp>
         <p:nvSpPr>
           <p:cNvPr id="2" name="標題 1"/>
@@ -3672,7 +3716,7 @@
                   <a:srgbClr val="FFFF00"/>
                 </a:solidFill>
               </a:rPr>
-              <a:t>504 Basic Qt Application</a:t>
+              <a:t>504.2 Create Basic Qt Application</a:t>
             </a:r>
             <a:endParaRPr lang="zh-TW" altLang="en-US" sz="4000" b="1" dirty="0">
               <a:solidFill>
@@ -3694,8 +3738,8 @@
         </p:nvSpPr>
         <p:spPr>
           <a:xfrm>
-            <a:off x="467543" y="1268758"/>
-            <a:ext cx="8241831" cy="864098"/>
+            <a:off x="438024" y="1250428"/>
+            <a:ext cx="8454456" cy="1679428"/>
           </a:xfrm>
           <a:ln>
             <a:solidFill>
@@ -3723,7 +3767,7 @@
                   <a:schemeClr val="tx1"/>
                 </a:solidFill>
               </a:rPr>
-              <a:t>Basic Qt Application</a:t>
+              <a:t>Create Basic Qt Application</a:t>
             </a:r>
           </a:p>
           <a:p>
@@ -3741,21 +3785,62 @@
                   <a:schemeClr val="tx1"/>
                 </a:solidFill>
               </a:rPr>
-              <a:t>We discuss Basic </a:t>
-            </a:r>
-            <a:r>
-              <a:rPr lang="en-US" sz="1800">
+              <a:t>We do not have anything in our program yet.</a:t>
+            </a:r>
+          </a:p>
+          <a:p>
+            <a:pPr marL="342900" indent="-342900" algn="l">
+              <a:buClr>
+                <a:srgbClr val="0070C0"/>
+              </a:buClr>
+              <a:buSzPct val="80000"/>
+              <a:buFont typeface="Wingdings" pitchFamily="2" charset="2"/>
+              <a:buChar char="u"/>
+            </a:pPr>
+            <a:r>
+              <a:rPr lang="en-US" sz="1800" dirty="0">
                 <a:solidFill>
                   <a:schemeClr val="tx1"/>
                 </a:solidFill>
               </a:rPr>
-              <a:t>Qt Application.</a:t>
-            </a:r>
-            <a:endParaRPr lang="en-US" sz="1800" dirty="0">
-              <a:solidFill>
-                <a:schemeClr val="tx1"/>
-              </a:solidFill>
-            </a:endParaRPr>
+              <a:t>It just run successfully and exit.</a:t>
+            </a:r>
+          </a:p>
+          <a:p>
+            <a:pPr marL="342900" indent="-342900" algn="l">
+              <a:buClr>
+                <a:srgbClr val="0070C0"/>
+              </a:buClr>
+              <a:buSzPct val="80000"/>
+              <a:buFont typeface="Wingdings" pitchFamily="2" charset="2"/>
+              <a:buChar char="u"/>
+            </a:pPr>
+            <a:r>
+              <a:rPr lang="en-US" sz="1800" dirty="0">
+                <a:solidFill>
+                  <a:schemeClr val="tx1"/>
+                </a:solidFill>
+              </a:rPr>
+              <a:t>We do not have any buttons, sliders, menus, etc.</a:t>
+            </a:r>
+          </a:p>
+          <a:p>
+            <a:pPr marL="342900" indent="-342900" algn="l">
+              <a:buClr>
+                <a:srgbClr val="0070C0"/>
+              </a:buClr>
+              <a:buSzPct val="80000"/>
+              <a:buFont typeface="Wingdings" pitchFamily="2" charset="2"/>
+              <a:buChar char="u"/>
+            </a:pPr>
+            <a:r>
+              <a:rPr lang="en-US" sz="1800" dirty="0">
+                <a:solidFill>
+                  <a:schemeClr val="tx1"/>
+                </a:solidFill>
+              </a:rPr>
+              <a:t>We will go ahead and create some text on the screen.</a:t>
+            </a:r>
           </a:p>
         </p:txBody>
       </p:sp>
@@ -3876,16 +3961,260 @@
             <a:fld id="{E4D7E63D-91F2-4366-A2C4-1B00C9E2590E}" type="slidenum">
               <a:rPr lang="zh-TW" altLang="en-US" smtClean="0"/>
               <a:pPr/>
-              <a:t>2</a:t>
+              <a:t>10</a:t>
             </a:fld>
             <a:endParaRPr lang="zh-TW" altLang="en-US"/>
+          </a:p>
+        </p:txBody>
+      </p:sp>
+      <p:sp>
+        <p:nvSpPr>
+          <p:cNvPr id="14" name="Oval 13">
+            <a:extLst>
+              <a:ext uri="{FF2B5EF4-FFF2-40B4-BE49-F238E27FC236}">
+                <a16:creationId xmlns:a16="http://schemas.microsoft.com/office/drawing/2014/main" id="{ABB63CB5-6174-1F7B-C164-86F7AF2982BE}"/>
+              </a:ext>
+            </a:extLst>
+          </p:cNvPr>
+          <p:cNvSpPr/>
+          <p:nvPr/>
+        </p:nvSpPr>
+        <p:spPr>
+          <a:xfrm>
+            <a:off x="3551000" y="4107448"/>
+            <a:ext cx="253008" cy="236415"/>
+          </a:xfrm>
+          <a:prstGeom prst="ellipse">
+            <a:avLst/>
+          </a:prstGeom>
+          <a:solidFill>
+            <a:srgbClr val="FFFF00"/>
+          </a:solidFill>
+          <a:ln>
+            <a:solidFill>
+              <a:srgbClr val="C00000"/>
+            </a:solidFill>
+          </a:ln>
+        </p:spPr>
+        <p:style>
+          <a:lnRef idx="2">
+            <a:schemeClr val="accent1">
+              <a:shade val="50000"/>
+            </a:schemeClr>
+          </a:lnRef>
+          <a:fillRef idx="1">
+            <a:schemeClr val="accent1"/>
+          </a:fillRef>
+          <a:effectRef idx="0">
+            <a:schemeClr val="accent1"/>
+          </a:effectRef>
+          <a:fontRef idx="minor">
+            <a:schemeClr val="lt1"/>
+          </a:fontRef>
+        </p:style>
+        <p:txBody>
+          <a:bodyPr rtlCol="0" anchor="ctr"/>
+          <a:lstStyle/>
+          <a:p>
+            <a:pPr algn="ctr"/>
+            <a:r>
+              <a:rPr lang="en-US" sz="1000" dirty="0">
+                <a:solidFill>
+                  <a:schemeClr val="tx1"/>
+                </a:solidFill>
+              </a:rPr>
+              <a:t>1</a:t>
+            </a:r>
+          </a:p>
+        </p:txBody>
+      </p:sp>
+      <p:sp>
+        <p:nvSpPr>
+          <p:cNvPr id="15" name="Oval 14">
+            <a:extLst>
+              <a:ext uri="{FF2B5EF4-FFF2-40B4-BE49-F238E27FC236}">
+                <a16:creationId xmlns:a16="http://schemas.microsoft.com/office/drawing/2014/main" id="{CC240909-117D-A025-5AD4-0AB22C635D16}"/>
+              </a:ext>
+            </a:extLst>
+          </p:cNvPr>
+          <p:cNvSpPr/>
+          <p:nvPr/>
+        </p:nvSpPr>
+        <p:spPr>
+          <a:xfrm>
+            <a:off x="3551000" y="4519105"/>
+            <a:ext cx="253008" cy="247521"/>
+          </a:xfrm>
+          <a:prstGeom prst="ellipse">
+            <a:avLst/>
+          </a:prstGeom>
+          <a:solidFill>
+            <a:srgbClr val="FFFF00"/>
+          </a:solidFill>
+          <a:ln>
+            <a:solidFill>
+              <a:srgbClr val="C00000"/>
+            </a:solidFill>
+          </a:ln>
+        </p:spPr>
+        <p:style>
+          <a:lnRef idx="2">
+            <a:schemeClr val="accent1">
+              <a:shade val="50000"/>
+            </a:schemeClr>
+          </a:lnRef>
+          <a:fillRef idx="1">
+            <a:schemeClr val="accent1"/>
+          </a:fillRef>
+          <a:effectRef idx="0">
+            <a:schemeClr val="accent1"/>
+          </a:effectRef>
+          <a:fontRef idx="minor">
+            <a:schemeClr val="lt1"/>
+          </a:fontRef>
+        </p:style>
+        <p:txBody>
+          <a:bodyPr rtlCol="0" anchor="ctr"/>
+          <a:lstStyle/>
+          <a:p>
+            <a:pPr algn="ctr"/>
+            <a:r>
+              <a:rPr lang="en-US" sz="1000" dirty="0">
+                <a:solidFill>
+                  <a:schemeClr val="tx1"/>
+                </a:solidFill>
+              </a:rPr>
+              <a:t>2</a:t>
+            </a:r>
+          </a:p>
+        </p:txBody>
+      </p:sp>
+      <p:sp>
+        <p:nvSpPr>
+          <p:cNvPr id="17" name="Oval 16">
+            <a:extLst>
+              <a:ext uri="{FF2B5EF4-FFF2-40B4-BE49-F238E27FC236}">
+                <a16:creationId xmlns:a16="http://schemas.microsoft.com/office/drawing/2014/main" id="{50761546-0935-6EB4-FEED-5DB2D8893ED0}"/>
+              </a:ext>
+            </a:extLst>
+          </p:cNvPr>
+          <p:cNvSpPr/>
+          <p:nvPr/>
+        </p:nvSpPr>
+        <p:spPr>
+          <a:xfrm>
+            <a:off x="3952040" y="4766626"/>
+            <a:ext cx="253008" cy="247520"/>
+          </a:xfrm>
+          <a:prstGeom prst="ellipse">
+            <a:avLst/>
+          </a:prstGeom>
+          <a:solidFill>
+            <a:srgbClr val="FFFF00"/>
+          </a:solidFill>
+          <a:ln>
+            <a:solidFill>
+              <a:srgbClr val="C00000"/>
+            </a:solidFill>
+          </a:ln>
+        </p:spPr>
+        <p:style>
+          <a:lnRef idx="2">
+            <a:schemeClr val="accent1">
+              <a:shade val="50000"/>
+            </a:schemeClr>
+          </a:lnRef>
+          <a:fillRef idx="1">
+            <a:schemeClr val="accent1"/>
+          </a:fillRef>
+          <a:effectRef idx="0">
+            <a:schemeClr val="accent1"/>
+          </a:effectRef>
+          <a:fontRef idx="minor">
+            <a:schemeClr val="lt1"/>
+          </a:fontRef>
+        </p:style>
+        <p:txBody>
+          <a:bodyPr rtlCol="0" anchor="ctr"/>
+          <a:lstStyle/>
+          <a:p>
+            <a:pPr algn="ctr"/>
+            <a:r>
+              <a:rPr lang="en-US" sz="1000" dirty="0">
+                <a:solidFill>
+                  <a:schemeClr val="tx1"/>
+                </a:solidFill>
+              </a:rPr>
+              <a:t>3</a:t>
+            </a:r>
+          </a:p>
+        </p:txBody>
+      </p:sp>
+      <p:sp>
+        <p:nvSpPr>
+          <p:cNvPr id="18" name="Oval 17">
+            <a:extLst>
+              <a:ext uri="{FF2B5EF4-FFF2-40B4-BE49-F238E27FC236}">
+                <a16:creationId xmlns:a16="http://schemas.microsoft.com/office/drawing/2014/main" id="{EAD8F369-8774-B72B-DA55-7C4278E4AC3E}"/>
+              </a:ext>
+            </a:extLst>
+          </p:cNvPr>
+          <p:cNvSpPr/>
+          <p:nvPr/>
+        </p:nvSpPr>
+        <p:spPr>
+          <a:xfrm>
+            <a:off x="3952040" y="5513290"/>
+            <a:ext cx="253008" cy="216024"/>
+          </a:xfrm>
+          <a:prstGeom prst="ellipse">
+            <a:avLst/>
+          </a:prstGeom>
+          <a:solidFill>
+            <a:srgbClr val="FFFF00"/>
+          </a:solidFill>
+          <a:ln>
+            <a:solidFill>
+              <a:srgbClr val="C00000"/>
+            </a:solidFill>
+          </a:ln>
+        </p:spPr>
+        <p:style>
+          <a:lnRef idx="2">
+            <a:schemeClr val="accent1">
+              <a:shade val="50000"/>
+            </a:schemeClr>
+          </a:lnRef>
+          <a:fillRef idx="1">
+            <a:schemeClr val="accent1"/>
+          </a:fillRef>
+          <a:effectRef idx="0">
+            <a:schemeClr val="accent1"/>
+          </a:effectRef>
+          <a:fontRef idx="minor">
+            <a:schemeClr val="lt1"/>
+          </a:fontRef>
+        </p:style>
+        <p:txBody>
+          <a:bodyPr rtlCol="0" anchor="ctr"/>
+          <a:lstStyle/>
+          <a:p>
+            <a:pPr algn="ctr"/>
+            <a:r>
+              <a:rPr lang="en-US" sz="1000" dirty="0">
+                <a:solidFill>
+                  <a:schemeClr val="tx1"/>
+                </a:solidFill>
+              </a:rPr>
+              <a:t>4</a:t>
+            </a:r>
           </a:p>
         </p:txBody>
       </p:sp>
     </p:spTree>
     <p:extLst>
       <p:ext uri="{BB962C8B-B14F-4D97-AF65-F5344CB8AC3E}">
-        <p14:creationId xmlns:p14="http://schemas.microsoft.com/office/powerpoint/2010/main" val="3327016651"/>
+        <p14:creationId xmlns:p14="http://schemas.microsoft.com/office/powerpoint/2010/main" val="1967301314"/>
       </p:ext>
     </p:extLst>
   </p:cSld>
@@ -3895,7 +4224,7 @@
 </p:sld>
 </file>
 
-<file path=ppt/slides/slide3.xml><?xml version="1.0" encoding="utf-8"?>
+<file path=ppt/slides/slide11.xml><?xml version="1.0" encoding="utf-8"?>
 <p:sld xmlns:a="http://schemas.openxmlformats.org/drawingml/2006/main" xmlns:r="http://schemas.openxmlformats.org/officeDocument/2006/relationships" xmlns:p="http://schemas.openxmlformats.org/presentationml/2006/main">
   <p:cSld>
     <p:spTree>
@@ -3943,7 +4272,7 @@
                   <a:srgbClr val="FFFF00"/>
                 </a:solidFill>
               </a:rPr>
-              <a:t>504.1 Qt Folder and File</a:t>
+              <a:t>504.3 Create Qt Label</a:t>
             </a:r>
             <a:endParaRPr lang="zh-TW" altLang="en-US" sz="4000" b="1" dirty="0">
               <a:solidFill>
@@ -3995,7 +4324,7 @@
             <a:fld id="{E4D7E63D-91F2-4366-A2C4-1B00C9E2590E}" type="slidenum">
               <a:rPr lang="zh-TW" altLang="en-US" smtClean="0"/>
               <a:pPr/>
-              <a:t>3</a:t>
+              <a:t>11</a:t>
             </a:fld>
             <a:endParaRPr lang="zh-TW" altLang="en-US"/>
           </a:p>
@@ -4051,7 +4380,7 @@
     </p:spTree>
     <p:extLst>
       <p:ext uri="{BB962C8B-B14F-4D97-AF65-F5344CB8AC3E}">
-        <p14:creationId xmlns:p14="http://schemas.microsoft.com/office/powerpoint/2010/main" val="3464816986"/>
+        <p14:creationId xmlns:p14="http://schemas.microsoft.com/office/powerpoint/2010/main" val="1344211590"/>
       </p:ext>
     </p:extLst>
   </p:cSld>
@@ -4061,7 +4390,7 @@
 </p:sld>
 </file>
 
-<file path=ppt/slides/slide4.xml><?xml version="1.0" encoding="utf-8"?>
+<file path=ppt/slides/slide12.xml><?xml version="1.0" encoding="utf-8"?>
 <p:sld xmlns:a="http://schemas.openxmlformats.org/drawingml/2006/main" xmlns:r="http://schemas.openxmlformats.org/officeDocument/2006/relationships" xmlns:p="http://schemas.openxmlformats.org/presentationml/2006/main">
   <p:cSld>
     <p:spTree>
@@ -4078,41 +4407,6 @@
           <a:chExt cx="0" cy="0"/>
         </a:xfrm>
       </p:grpSpPr>
-      <p:pic>
-        <p:nvPicPr>
-          <p:cNvPr id="11" name="Picture 10">
-            <a:extLst>
-              <a:ext uri="{FF2B5EF4-FFF2-40B4-BE49-F238E27FC236}">
-                <a16:creationId xmlns:a16="http://schemas.microsoft.com/office/drawing/2014/main" id="{9A9090CD-A806-EBA9-88F3-2586B18FEA25}"/>
-              </a:ext>
-            </a:extLst>
-          </p:cNvPr>
-          <p:cNvPicPr>
-            <a:picLocks noChangeAspect="1"/>
-          </p:cNvPicPr>
-          <p:nvPr/>
-        </p:nvPicPr>
-        <p:blipFill>
-          <a:blip r:embed="rId2"/>
-          <a:stretch>
-            <a:fillRect/>
-          </a:stretch>
-        </p:blipFill>
-        <p:spPr>
-          <a:xfrm>
-            <a:off x="2843808" y="1275617"/>
-            <a:ext cx="5435487" cy="4209782"/>
-          </a:xfrm>
-          <a:prstGeom prst="rect">
-            <a:avLst/>
-          </a:prstGeom>
-          <a:ln>
-            <a:solidFill>
-              <a:srgbClr val="C00000"/>
-            </a:solidFill>
-          </a:ln>
-        </p:spPr>
-      </p:pic>
       <p:sp>
         <p:nvSpPr>
           <p:cNvPr id="2" name="標題 1"/>
@@ -4168,7 +4462,7 @@
                   <a:srgbClr val="FFFF00"/>
                 </a:solidFill>
               </a:rPr>
-              <a:t>504.1 Qt Folder and File</a:t>
+              <a:t>504.3 Create Qt Label</a:t>
             </a:r>
             <a:endParaRPr lang="zh-TW" altLang="en-US" sz="4000" b="1" dirty="0">
               <a:solidFill>
@@ -4190,8 +4484,8 @@
         </p:nvSpPr>
         <p:spPr>
           <a:xfrm>
-            <a:off x="438025" y="1250428"/>
-            <a:ext cx="2405782" cy="3906764"/>
+            <a:off x="438024" y="1250427"/>
+            <a:ext cx="8454456" cy="2322589"/>
           </a:xfrm>
           <a:ln>
             <a:solidFill>
@@ -4219,7 +4513,7 @@
                   <a:schemeClr val="tx1"/>
                 </a:solidFill>
               </a:rPr>
-              <a:t>Qt Folders and Files</a:t>
+              <a:t>Create Qt Label</a:t>
             </a:r>
           </a:p>
           <a:p>
@@ -4237,7 +4531,7 @@
                   <a:schemeClr val="tx1"/>
                 </a:solidFill>
               </a:rPr>
-              <a:t>Since we install in x86-windows-msvc2022-pe-64bit are automatically selected.</a:t>
+              <a:t>1. First, we include &lt;QLabel&gt;</a:t>
             </a:r>
           </a:p>
           <a:p>
@@ -4255,7 +4549,79 @@
                   <a:schemeClr val="tx1"/>
                 </a:solidFill>
               </a:rPr>
-              <a:t>If we have any project management tools, then click configure button under “Project Management”.</a:t>
+              <a:t>2. Now, we create a Qt-Label and put some text “gametime!” on the label.</a:t>
+            </a:r>
+          </a:p>
+          <a:p>
+            <a:pPr marL="342900" indent="-342900" algn="l">
+              <a:buClr>
+                <a:srgbClr val="0070C0"/>
+              </a:buClr>
+              <a:buSzPct val="80000"/>
+              <a:buFont typeface="Wingdings" pitchFamily="2" charset="2"/>
+              <a:buChar char="u"/>
+            </a:pPr>
+            <a:r>
+              <a:rPr lang="en-US" sz="1800" dirty="0">
+                <a:solidFill>
+                  <a:schemeClr val="tx1"/>
+                </a:solidFill>
+              </a:rPr>
+              <a:t>This label will not display until we tell Qt to display.</a:t>
+            </a:r>
+          </a:p>
+          <a:p>
+            <a:pPr marL="342900" indent="-342900" algn="l">
+              <a:buClr>
+                <a:srgbClr val="0070C0"/>
+              </a:buClr>
+              <a:buSzPct val="80000"/>
+              <a:buFont typeface="Wingdings" pitchFamily="2" charset="2"/>
+              <a:buChar char="u"/>
+            </a:pPr>
+            <a:r>
+              <a:rPr lang="en-US" sz="1800" dirty="0">
+                <a:solidFill>
+                  <a:schemeClr val="tx1"/>
+                </a:solidFill>
+              </a:rPr>
+              <a:t>We need to call label widget with function “show” as below. </a:t>
+            </a:r>
+          </a:p>
+          <a:p>
+            <a:pPr marL="342900" indent="-342900" algn="l">
+              <a:buClr>
+                <a:srgbClr val="0070C0"/>
+              </a:buClr>
+              <a:buSzPct val="80000"/>
+              <a:buFont typeface="Wingdings" pitchFamily="2" charset="2"/>
+              <a:buChar char="u"/>
+            </a:pPr>
+            <a:r>
+              <a:rPr lang="en-US" sz="1800" dirty="0">
+                <a:solidFill>
+                  <a:schemeClr val="tx1"/>
+                </a:solidFill>
+              </a:rPr>
+              <a:t>3. label-&gt;show()</a:t>
+            </a:r>
+          </a:p>
+          <a:p>
+            <a:pPr marL="342900" indent="-342900" algn="l">
+              <a:buClr>
+                <a:srgbClr val="0070C0"/>
+              </a:buClr>
+              <a:buSzPct val="80000"/>
+              <a:buFont typeface="Wingdings" pitchFamily="2" charset="2"/>
+              <a:buChar char="u"/>
+            </a:pPr>
+            <a:r>
+              <a:rPr lang="en-US" sz="1800" dirty="0">
+                <a:solidFill>
+                  <a:schemeClr val="tx1"/>
+                </a:solidFill>
+              </a:rPr>
+              <a:t>Build and run the program, we see the “gametime!” is displayed.</a:t>
             </a:r>
           </a:p>
         </p:txBody>
@@ -4377,18 +4743,53 @@
             <a:fld id="{E4D7E63D-91F2-4366-A2C4-1B00C9E2590E}" type="slidenum">
               <a:rPr lang="zh-TW" altLang="en-US" smtClean="0"/>
               <a:pPr/>
-              <a:t>4</a:t>
+              <a:t>12</a:t>
             </a:fld>
             <a:endParaRPr lang="zh-TW" altLang="en-US"/>
           </a:p>
         </p:txBody>
       </p:sp>
+      <p:pic>
+        <p:nvPicPr>
+          <p:cNvPr id="8" name="Picture 7">
+            <a:extLst>
+              <a:ext uri="{FF2B5EF4-FFF2-40B4-BE49-F238E27FC236}">
+                <a16:creationId xmlns:a16="http://schemas.microsoft.com/office/drawing/2014/main" id="{36A9E8D4-09D8-753C-47D5-AAFA8B1D0AE3}"/>
+              </a:ext>
+            </a:extLst>
+          </p:cNvPr>
+          <p:cNvPicPr>
+            <a:picLocks noChangeAspect="1"/>
+          </p:cNvPicPr>
+          <p:nvPr/>
+        </p:nvPicPr>
+        <p:blipFill>
+          <a:blip r:embed="rId2"/>
+          <a:stretch>
+            <a:fillRect/>
+          </a:stretch>
+        </p:blipFill>
+        <p:spPr>
+          <a:xfrm>
+            <a:off x="2705526" y="3689350"/>
+            <a:ext cx="6153150" cy="2667000"/>
+          </a:xfrm>
+          <a:prstGeom prst="rect">
+            <a:avLst/>
+          </a:prstGeom>
+          <a:ln>
+            <a:solidFill>
+              <a:srgbClr val="C00000"/>
+            </a:solidFill>
+          </a:ln>
+        </p:spPr>
+      </p:pic>
       <p:sp>
         <p:nvSpPr>
           <p:cNvPr id="9" name="Rectangle 8">
             <a:extLst>
               <a:ext uri="{FF2B5EF4-FFF2-40B4-BE49-F238E27FC236}">
-                <a16:creationId xmlns:a16="http://schemas.microsoft.com/office/drawing/2014/main" id="{D95735C6-E21C-CC5F-5567-77D5AA3F8067}"/>
+                <a16:creationId xmlns:a16="http://schemas.microsoft.com/office/drawing/2014/main" id="{23F341B3-4494-6325-27C7-3F895D4DF73B}"/>
               </a:ext>
             </a:extLst>
           </p:cNvPr>
@@ -4397,8 +4798,8 @@
         </p:nvSpPr>
         <p:spPr>
           <a:xfrm>
-            <a:off x="7668344" y="2420888"/>
-            <a:ext cx="610950" cy="288032"/>
+            <a:off x="2987824" y="3698699"/>
+            <a:ext cx="1440160" cy="651297"/>
           </a:xfrm>
           <a:prstGeom prst="rect">
             <a:avLst/>
@@ -4437,10 +4838,10 @@
       </p:sp>
       <p:sp>
         <p:nvSpPr>
-          <p:cNvPr id="13" name="Rectangle 12">
+          <p:cNvPr id="10" name="Oval 9">
             <a:extLst>
               <a:ext uri="{FF2B5EF4-FFF2-40B4-BE49-F238E27FC236}">
-                <a16:creationId xmlns:a16="http://schemas.microsoft.com/office/drawing/2014/main" id="{8ADED6C2-937A-9ED0-7E09-A98746282C6A}"/>
+                <a16:creationId xmlns:a16="http://schemas.microsoft.com/office/drawing/2014/main" id="{B5244F69-BFD2-CFBD-7995-9BFC1FE7E07F}"/>
               </a:ext>
             </a:extLst>
           </p:cNvPr>
@@ -4449,13 +4850,15 @@
         </p:nvSpPr>
         <p:spPr>
           <a:xfrm>
-            <a:off x="776820" y="3068960"/>
-            <a:ext cx="1922972" cy="2016224"/>
+            <a:off x="3229137" y="4585195"/>
+            <a:ext cx="253008" cy="236415"/>
           </a:xfrm>
-          <a:prstGeom prst="rect">
+          <a:prstGeom prst="ellipse">
             <a:avLst/>
           </a:prstGeom>
-          <a:noFill/>
+          <a:solidFill>
+            <a:srgbClr val="FFFF00"/>
+          </a:solidFill>
           <a:ln>
             <a:solidFill>
               <a:srgbClr val="C00000"/>
@@ -4483,59 +4886,23 @@
           <a:lstStyle/>
           <a:p>
             <a:pPr algn="ctr"/>
-            <a:endParaRPr lang="en-US"/>
-          </a:p>
-        </p:txBody>
-      </p:sp>
-      <p:cxnSp>
-        <p:nvCxnSpPr>
-          <p:cNvPr id="16" name="Straight Arrow Connector 15">
+            <a:r>
+              <a:rPr lang="en-US" sz="1000" dirty="0">
+                <a:solidFill>
+                  <a:schemeClr val="tx1"/>
+                </a:solidFill>
+              </a:rPr>
+              <a:t>1</a:t>
+            </a:r>
+          </a:p>
+        </p:txBody>
+      </p:sp>
+      <p:sp>
+        <p:nvSpPr>
+          <p:cNvPr id="11" name="Oval 10">
             <a:extLst>
               <a:ext uri="{FF2B5EF4-FFF2-40B4-BE49-F238E27FC236}">
-                <a16:creationId xmlns:a16="http://schemas.microsoft.com/office/drawing/2014/main" id="{ED998F08-435F-7FB2-882D-AD995D717B4A}"/>
-              </a:ext>
-            </a:extLst>
-          </p:cNvPr>
-          <p:cNvCxnSpPr>
-            <a:cxnSpLocks/>
-            <a:stCxn id="13" idx="3"/>
-            <a:endCxn id="9" idx="1"/>
-          </p:cNvCxnSpPr>
-          <p:nvPr/>
-        </p:nvCxnSpPr>
-        <p:spPr>
-          <a:xfrm flipV="1">
-            <a:off x="2699792" y="2564904"/>
-            <a:ext cx="4968552" cy="1512168"/>
-          </a:xfrm>
-          <a:prstGeom prst="straightConnector1">
-            <a:avLst/>
-          </a:prstGeom>
-          <a:ln>
-            <a:tailEnd type="triangle"/>
-          </a:ln>
-        </p:spPr>
-        <p:style>
-          <a:lnRef idx="1">
-            <a:schemeClr val="accent2"/>
-          </a:lnRef>
-          <a:fillRef idx="0">
-            <a:schemeClr val="accent2"/>
-          </a:fillRef>
-          <a:effectRef idx="0">
-            <a:schemeClr val="accent2"/>
-          </a:effectRef>
-          <a:fontRef idx="minor">
-            <a:schemeClr val="tx1"/>
-          </a:fontRef>
-        </p:style>
-      </p:cxnSp>
-      <p:sp>
-        <p:nvSpPr>
-          <p:cNvPr id="21" name="Rectangle 20">
-            <a:extLst>
-              <a:ext uri="{FF2B5EF4-FFF2-40B4-BE49-F238E27FC236}">
-                <a16:creationId xmlns:a16="http://schemas.microsoft.com/office/drawing/2014/main" id="{76216F9C-CA3E-60EC-93D0-0A310C63AC7F}"/>
+                <a16:creationId xmlns:a16="http://schemas.microsoft.com/office/drawing/2014/main" id="{1D4559E7-25F0-00A6-B052-4F710DD1E7F9}"/>
               </a:ext>
             </a:extLst>
           </p:cNvPr>
@@ -4544,13 +4911,15 @@
         </p:nvSpPr>
         <p:spPr>
           <a:xfrm>
-            <a:off x="3851920" y="4149080"/>
-            <a:ext cx="2880320" cy="936104"/>
+            <a:off x="3482145" y="5360052"/>
+            <a:ext cx="253008" cy="247521"/>
           </a:xfrm>
-          <a:prstGeom prst="rect">
+          <a:prstGeom prst="ellipse">
             <a:avLst/>
           </a:prstGeom>
-          <a:noFill/>
+          <a:solidFill>
+            <a:srgbClr val="FFFF00"/>
+          </a:solidFill>
           <a:ln>
             <a:solidFill>
               <a:srgbClr val="C00000"/>
@@ -4578,14 +4947,82 @@
           <a:lstStyle/>
           <a:p>
             <a:pPr algn="ctr"/>
-            <a:endParaRPr lang="en-US"/>
+            <a:r>
+              <a:rPr lang="en-US" sz="1000" dirty="0">
+                <a:solidFill>
+                  <a:schemeClr val="tx1"/>
+                </a:solidFill>
+              </a:rPr>
+              <a:t>2</a:t>
+            </a:r>
+          </a:p>
+        </p:txBody>
+      </p:sp>
+      <p:sp>
+        <p:nvSpPr>
+          <p:cNvPr id="12" name="Oval 11">
+            <a:extLst>
+              <a:ext uri="{FF2B5EF4-FFF2-40B4-BE49-F238E27FC236}">
+                <a16:creationId xmlns:a16="http://schemas.microsoft.com/office/drawing/2014/main" id="{CAF6D4A8-112F-A00F-8D5D-6A8DFE8D35AB}"/>
+              </a:ext>
+            </a:extLst>
+          </p:cNvPr>
+          <p:cNvSpPr/>
+          <p:nvPr/>
+        </p:nvSpPr>
+        <p:spPr>
+          <a:xfrm>
+            <a:off x="3493441" y="5610681"/>
+            <a:ext cx="253008" cy="247520"/>
+          </a:xfrm>
+          <a:prstGeom prst="ellipse">
+            <a:avLst/>
+          </a:prstGeom>
+          <a:solidFill>
+            <a:srgbClr val="FFFF00"/>
+          </a:solidFill>
+          <a:ln>
+            <a:solidFill>
+              <a:srgbClr val="C00000"/>
+            </a:solidFill>
+          </a:ln>
+        </p:spPr>
+        <p:style>
+          <a:lnRef idx="2">
+            <a:schemeClr val="accent1">
+              <a:shade val="50000"/>
+            </a:schemeClr>
+          </a:lnRef>
+          <a:fillRef idx="1">
+            <a:schemeClr val="accent1"/>
+          </a:fillRef>
+          <a:effectRef idx="0">
+            <a:schemeClr val="accent1"/>
+          </a:effectRef>
+          <a:fontRef idx="minor">
+            <a:schemeClr val="lt1"/>
+          </a:fontRef>
+        </p:style>
+        <p:txBody>
+          <a:bodyPr rtlCol="0" anchor="ctr"/>
+          <a:lstStyle/>
+          <a:p>
+            <a:pPr algn="ctr"/>
+            <a:r>
+              <a:rPr lang="en-US" sz="1000" dirty="0">
+                <a:solidFill>
+                  <a:schemeClr val="tx1"/>
+                </a:solidFill>
+              </a:rPr>
+              <a:t>3</a:t>
+            </a:r>
           </a:p>
         </p:txBody>
       </p:sp>
     </p:spTree>
     <p:extLst>
       <p:ext uri="{BB962C8B-B14F-4D97-AF65-F5344CB8AC3E}">
-        <p14:creationId xmlns:p14="http://schemas.microsoft.com/office/powerpoint/2010/main" val="2040433651"/>
+        <p14:creationId xmlns:p14="http://schemas.microsoft.com/office/powerpoint/2010/main" val="837017029"/>
       </p:ext>
     </p:extLst>
   </p:cSld>
@@ -4595,7 +5032,289 @@
 </p:sld>
 </file>
 
-<file path=ppt/slides/slide5.xml><?xml version="1.0" encoding="utf-8"?>
+<file path=ppt/slides/slide13.xml><?xml version="1.0" encoding="utf-8"?>
+<p:sld xmlns:a="http://schemas.openxmlformats.org/drawingml/2006/main" xmlns:r="http://schemas.openxmlformats.org/officeDocument/2006/relationships" xmlns:p="http://schemas.openxmlformats.org/presentationml/2006/main">
+  <p:cSld>
+    <p:spTree>
+      <p:nvGrpSpPr>
+        <p:cNvPr id="1" name=""/>
+        <p:cNvGrpSpPr/>
+        <p:nvPr/>
+      </p:nvGrpSpPr>
+      <p:grpSpPr>
+        <a:xfrm>
+          <a:off x="0" y="0"/>
+          <a:ext cx="0" cy="0"/>
+          <a:chOff x="0" y="0"/>
+          <a:chExt cx="0" cy="0"/>
+        </a:xfrm>
+      </p:grpSpPr>
+      <p:sp>
+        <p:nvSpPr>
+          <p:cNvPr id="2" name="標題 1"/>
+          <p:cNvSpPr>
+            <a:spLocks noGrp="1"/>
+          </p:cNvSpPr>
+          <p:nvPr>
+            <p:ph type="ctrTitle"/>
+          </p:nvPr>
+        </p:nvSpPr>
+        <p:spPr>
+          <a:xfrm>
+            <a:off x="0" y="1"/>
+            <a:ext cx="9144000" cy="764704"/>
+          </a:xfrm>
+          <a:gradFill flip="none" rotWithShape="1">
+            <a:gsLst>
+              <a:gs pos="0">
+                <a:srgbClr val="C00000">
+                  <a:shade val="30000"/>
+                  <a:satMod val="115000"/>
+                </a:srgbClr>
+              </a:gs>
+              <a:gs pos="50000">
+                <a:srgbClr val="C00000">
+                  <a:shade val="67500"/>
+                  <a:satMod val="115000"/>
+                </a:srgbClr>
+              </a:gs>
+              <a:gs pos="100000">
+                <a:srgbClr val="C00000">
+                  <a:shade val="100000"/>
+                  <a:satMod val="115000"/>
+                </a:srgbClr>
+              </a:gs>
+            </a:gsLst>
+            <a:path path="circle">
+              <a:fillToRect t="100000" r="100000"/>
+            </a:path>
+            <a:tileRect l="-100000" b="-100000"/>
+          </a:gradFill>
+        </p:spPr>
+        <p:txBody>
+          <a:bodyPr>
+            <a:normAutofit/>
+          </a:bodyPr>
+          <a:lstStyle/>
+          <a:p>
+            <a:pPr algn="l"/>
+            <a:r>
+              <a:rPr lang="en-US" altLang="zh-TW" sz="4000" b="1" dirty="0">
+                <a:solidFill>
+                  <a:srgbClr val="FFFF00"/>
+                </a:solidFill>
+              </a:rPr>
+              <a:t>504.3 Create Qt Label</a:t>
+            </a:r>
+            <a:endParaRPr lang="zh-TW" altLang="en-US" sz="4000" b="1" dirty="0">
+              <a:solidFill>
+                <a:srgbClr val="FFFF00"/>
+              </a:solidFill>
+            </a:endParaRPr>
+          </a:p>
+        </p:txBody>
+      </p:sp>
+      <p:sp>
+        <p:nvSpPr>
+          <p:cNvPr id="3" name="副標題 2"/>
+          <p:cNvSpPr>
+            <a:spLocks noGrp="1"/>
+          </p:cNvSpPr>
+          <p:nvPr>
+            <p:ph type="subTitle" idx="1"/>
+          </p:nvPr>
+        </p:nvSpPr>
+        <p:spPr>
+          <a:xfrm>
+            <a:off x="438024" y="1250427"/>
+            <a:ext cx="8454456" cy="954437"/>
+          </a:xfrm>
+          <a:ln>
+            <a:solidFill>
+              <a:srgbClr val="C00000"/>
+            </a:solidFill>
+          </a:ln>
+        </p:spPr>
+        <p:txBody>
+          <a:bodyPr>
+            <a:noAutofit/>
+          </a:bodyPr>
+          <a:lstStyle/>
+          <a:p>
+            <a:pPr marL="342900" indent="-342900" algn="l">
+              <a:buClr>
+                <a:srgbClr val="0070C0"/>
+              </a:buClr>
+              <a:buSzPct val="80000"/>
+              <a:buFont typeface="Wingdings" pitchFamily="2" charset="2"/>
+              <a:buChar char="u"/>
+            </a:pPr>
+            <a:r>
+              <a:rPr lang="en-US" sz="1800" b="1" dirty="0">
+                <a:solidFill>
+                  <a:schemeClr val="tx1"/>
+                </a:solidFill>
+              </a:rPr>
+              <a:t>Create Qt Label</a:t>
+            </a:r>
+          </a:p>
+          <a:p>
+            <a:pPr marL="342900" indent="-342900" algn="l">
+              <a:buClr>
+                <a:srgbClr val="0070C0"/>
+              </a:buClr>
+              <a:buSzPct val="80000"/>
+              <a:buFont typeface="Wingdings" pitchFamily="2" charset="2"/>
+              <a:buChar char="u"/>
+            </a:pPr>
+            <a:r>
+              <a:rPr lang="en-US" sz="1800" dirty="0">
+                <a:solidFill>
+                  <a:schemeClr val="tx1"/>
+                </a:solidFill>
+              </a:rPr>
+              <a:t>Now, we have some understanding by modifying the *.cpp code instead of UI Designer.</a:t>
+            </a:r>
+          </a:p>
+        </p:txBody>
+      </p:sp>
+      <p:sp>
+        <p:nvSpPr>
+          <p:cNvPr id="4" name="標題 1"/>
+          <p:cNvSpPr txBox="1">
+            <a:spLocks/>
+          </p:cNvSpPr>
+          <p:nvPr/>
+        </p:nvSpPr>
+        <p:spPr>
+          <a:xfrm>
+            <a:off x="0" y="764704"/>
+            <a:ext cx="9144000" cy="360040"/>
+          </a:xfrm>
+          <a:prstGeom prst="rect">
+            <a:avLst/>
+          </a:prstGeom>
+          <a:gradFill flip="none" rotWithShape="1">
+            <a:gsLst>
+              <a:gs pos="0">
+                <a:srgbClr val="00B0F0">
+                  <a:shade val="30000"/>
+                  <a:satMod val="115000"/>
+                </a:srgbClr>
+              </a:gs>
+              <a:gs pos="50000">
+                <a:srgbClr val="00B0F0">
+                  <a:shade val="67500"/>
+                  <a:satMod val="115000"/>
+                </a:srgbClr>
+              </a:gs>
+              <a:gs pos="100000">
+                <a:srgbClr val="00B0F0">
+                  <a:shade val="100000"/>
+                  <a:satMod val="115000"/>
+                </a:srgbClr>
+              </a:gs>
+            </a:gsLst>
+            <a:path path="circle">
+              <a:fillToRect t="100000" r="100000"/>
+            </a:path>
+            <a:tileRect l="-100000" b="-100000"/>
+          </a:gradFill>
+        </p:spPr>
+        <p:txBody>
+          <a:bodyPr vert="horz" lIns="91440" tIns="45720" rIns="91440" bIns="45720" rtlCol="0" anchor="ctr">
+            <a:normAutofit/>
+          </a:bodyPr>
+          <a:lstStyle/>
+          <a:p>
+            <a:pPr lvl="0">
+              <a:spcBef>
+                <a:spcPct val="0"/>
+              </a:spcBef>
+            </a:pPr>
+            <a:r>
+              <a:rPr lang="en-US" sz="1600" dirty="0"/>
+              <a:t>https://www.youtube.com/watch?v=HnuY7NhzLGM&amp;list=PLD0D54219E5F2544D&amp;index=4</a:t>
+            </a:r>
+            <a:endParaRPr kumimoji="0" lang="zh-TW" altLang="en-US" sz="1600" b="0" i="0" u="none" strike="noStrike" kern="1200" cap="none" spc="0" normalizeH="0" baseline="0" noProof="0" dirty="0">
+              <a:ln>
+                <a:noFill/>
+              </a:ln>
+              <a:solidFill>
+                <a:schemeClr val="tx1"/>
+              </a:solidFill>
+              <a:effectLst/>
+              <a:uLnTx/>
+              <a:uFillTx/>
+              <a:latin typeface="+mj-lt"/>
+              <a:ea typeface="+mj-ea"/>
+              <a:cs typeface="+mj-cs"/>
+            </a:endParaRPr>
+          </a:p>
+        </p:txBody>
+      </p:sp>
+      <p:sp>
+        <p:nvSpPr>
+          <p:cNvPr id="5" name="日期版面配置區 4"/>
+          <p:cNvSpPr>
+            <a:spLocks noGrp="1"/>
+          </p:cNvSpPr>
+          <p:nvPr>
+            <p:ph type="dt" sz="half" idx="10"/>
+          </p:nvPr>
+        </p:nvSpPr>
+        <p:spPr/>
+        <p:txBody>
+          <a:bodyPr/>
+          <a:lstStyle/>
+          <a:p>
+            <a:fld id="{A4F910E6-8D00-4BAF-8C48-9688E0B449D3}" type="datetime1">
+              <a:rPr lang="zh-TW" altLang="en-US" smtClean="0"/>
+              <a:pPr/>
+              <a:t>2022/10/31</a:t>
+            </a:fld>
+            <a:endParaRPr lang="zh-TW" altLang="en-US"/>
+          </a:p>
+        </p:txBody>
+      </p:sp>
+      <p:sp>
+        <p:nvSpPr>
+          <p:cNvPr id="6" name="投影片編號版面配置區 5"/>
+          <p:cNvSpPr>
+            <a:spLocks noGrp="1"/>
+          </p:cNvSpPr>
+          <p:nvPr>
+            <p:ph type="sldNum" sz="quarter" idx="12"/>
+          </p:nvPr>
+        </p:nvSpPr>
+        <p:spPr/>
+        <p:txBody>
+          <a:bodyPr/>
+          <a:lstStyle/>
+          <a:p>
+            <a:fld id="{E4D7E63D-91F2-4366-A2C4-1B00C9E2590E}" type="slidenum">
+              <a:rPr lang="zh-TW" altLang="en-US" smtClean="0"/>
+              <a:pPr/>
+              <a:t>13</a:t>
+            </a:fld>
+            <a:endParaRPr lang="zh-TW" altLang="en-US"/>
+          </a:p>
+        </p:txBody>
+      </p:sp>
+    </p:spTree>
+    <p:extLst>
+      <p:ext uri="{BB962C8B-B14F-4D97-AF65-F5344CB8AC3E}">
+        <p14:creationId xmlns:p14="http://schemas.microsoft.com/office/powerpoint/2010/main" val="2342595036"/>
+      </p:ext>
+    </p:extLst>
+  </p:cSld>
+  <p:clrMapOvr>
+    <a:masterClrMapping/>
+  </p:clrMapOvr>
+</p:sld>
+</file>
+
+<file path=ppt/slides/slide14.xml><?xml version="1.0" encoding="utf-8"?>
 <p:sld xmlns:a="http://schemas.openxmlformats.org/drawingml/2006/main" xmlns:r="http://schemas.openxmlformats.org/officeDocument/2006/relationships" xmlns:p="http://schemas.openxmlformats.org/presentationml/2006/main">
   <p:cSld>
     <p:spTree>
@@ -4718,13 +5437,3672 @@
             <a:fld id="{E4D7E63D-91F2-4366-A2C4-1B00C9E2590E}" type="slidenum">
               <a:rPr lang="zh-TW" altLang="en-US" smtClean="0"/>
               <a:pPr/>
+              <a:t>14</a:t>
+            </a:fld>
+            <a:endParaRPr lang="zh-TW" altLang="en-US"/>
+          </a:p>
+        </p:txBody>
+      </p:sp>
+    </p:spTree>
+  </p:cSld>
+  <p:clrMapOvr>
+    <a:masterClrMapping/>
+  </p:clrMapOvr>
+</p:sld>
+</file>
+
+<file path=ppt/slides/slide2.xml><?xml version="1.0" encoding="utf-8"?>
+<p:sld xmlns:a="http://schemas.openxmlformats.org/drawingml/2006/main" xmlns:r="http://schemas.openxmlformats.org/officeDocument/2006/relationships" xmlns:p="http://schemas.openxmlformats.org/presentationml/2006/main">
+  <p:cSld>
+    <p:spTree>
+      <p:nvGrpSpPr>
+        <p:cNvPr id="1" name=""/>
+        <p:cNvGrpSpPr/>
+        <p:nvPr/>
+      </p:nvGrpSpPr>
+      <p:grpSpPr>
+        <a:xfrm>
+          <a:off x="0" y="0"/>
+          <a:ext cx="0" cy="0"/>
+          <a:chOff x="0" y="0"/>
+          <a:chExt cx="0" cy="0"/>
+        </a:xfrm>
+      </p:grpSpPr>
+      <p:sp>
+        <p:nvSpPr>
+          <p:cNvPr id="2" name="標題 1"/>
+          <p:cNvSpPr>
+            <a:spLocks noGrp="1"/>
+          </p:cNvSpPr>
+          <p:nvPr>
+            <p:ph type="ctrTitle"/>
+          </p:nvPr>
+        </p:nvSpPr>
+        <p:spPr>
+          <a:xfrm>
+            <a:off x="0" y="1"/>
+            <a:ext cx="9144000" cy="764704"/>
+          </a:xfrm>
+          <a:gradFill flip="none" rotWithShape="1">
+            <a:gsLst>
+              <a:gs pos="0">
+                <a:srgbClr val="C00000">
+                  <a:shade val="30000"/>
+                  <a:satMod val="115000"/>
+                </a:srgbClr>
+              </a:gs>
+              <a:gs pos="50000">
+                <a:srgbClr val="C00000">
+                  <a:shade val="67500"/>
+                  <a:satMod val="115000"/>
+                </a:srgbClr>
+              </a:gs>
+              <a:gs pos="100000">
+                <a:srgbClr val="C00000">
+                  <a:shade val="100000"/>
+                  <a:satMod val="115000"/>
+                </a:srgbClr>
+              </a:gs>
+            </a:gsLst>
+            <a:path path="circle">
+              <a:fillToRect t="100000" r="100000"/>
+            </a:path>
+            <a:tileRect l="-100000" b="-100000"/>
+          </a:gradFill>
+        </p:spPr>
+        <p:txBody>
+          <a:bodyPr>
+            <a:normAutofit/>
+          </a:bodyPr>
+          <a:lstStyle/>
+          <a:p>
+            <a:pPr algn="l"/>
+            <a:r>
+              <a:rPr lang="en-US" altLang="zh-TW" sz="4000" b="1" dirty="0">
+                <a:solidFill>
+                  <a:srgbClr val="FFFF00"/>
+                </a:solidFill>
+              </a:rPr>
+              <a:t>504 Basic Qt Application</a:t>
+            </a:r>
+            <a:endParaRPr lang="zh-TW" altLang="en-US" sz="4000" b="1" dirty="0">
+              <a:solidFill>
+                <a:srgbClr val="FFFF00"/>
+              </a:solidFill>
+            </a:endParaRPr>
+          </a:p>
+        </p:txBody>
+      </p:sp>
+      <p:sp>
+        <p:nvSpPr>
+          <p:cNvPr id="3" name="副標題 2"/>
+          <p:cNvSpPr>
+            <a:spLocks noGrp="1"/>
+          </p:cNvSpPr>
+          <p:nvPr>
+            <p:ph type="subTitle" idx="1"/>
+          </p:nvPr>
+        </p:nvSpPr>
+        <p:spPr>
+          <a:xfrm>
+            <a:off x="467543" y="1268758"/>
+            <a:ext cx="8241831" cy="864098"/>
+          </a:xfrm>
+          <a:ln>
+            <a:solidFill>
+              <a:srgbClr val="C00000"/>
+            </a:solidFill>
+          </a:ln>
+        </p:spPr>
+        <p:txBody>
+          <a:bodyPr>
+            <a:noAutofit/>
+          </a:bodyPr>
+          <a:lstStyle/>
+          <a:p>
+            <a:pPr marL="342900" indent="-342900" algn="l">
+              <a:buClr>
+                <a:srgbClr val="0070C0"/>
+              </a:buClr>
+              <a:buSzPct val="80000"/>
+              <a:buFont typeface="Wingdings" pitchFamily="2" charset="2"/>
+              <a:buChar char="u"/>
+            </a:pPr>
+            <a:r>
+              <a:rPr lang="en-US" sz="1800" b="1" dirty="0">
+                <a:solidFill>
+                  <a:schemeClr val="tx1"/>
+                </a:solidFill>
+              </a:rPr>
+              <a:t>Basic Qt Application</a:t>
+            </a:r>
+          </a:p>
+          <a:p>
+            <a:pPr marL="342900" indent="-342900" algn="l">
+              <a:buClr>
+                <a:srgbClr val="0070C0"/>
+              </a:buClr>
+              <a:buSzPct val="80000"/>
+              <a:buFont typeface="Wingdings" pitchFamily="2" charset="2"/>
+              <a:buChar char="u"/>
+            </a:pPr>
+            <a:r>
+              <a:rPr lang="en-US" sz="1800" dirty="0">
+                <a:solidFill>
+                  <a:schemeClr val="tx1"/>
+                </a:solidFill>
+              </a:rPr>
+              <a:t>We discuss Basic </a:t>
+            </a:r>
+            <a:r>
+              <a:rPr lang="en-US" sz="1800">
+                <a:solidFill>
+                  <a:schemeClr val="tx1"/>
+                </a:solidFill>
+              </a:rPr>
+              <a:t>Qt Application.</a:t>
+            </a:r>
+            <a:endParaRPr lang="en-US" sz="1800" dirty="0">
+              <a:solidFill>
+                <a:schemeClr val="tx1"/>
+              </a:solidFill>
+            </a:endParaRPr>
+          </a:p>
+        </p:txBody>
+      </p:sp>
+      <p:sp>
+        <p:nvSpPr>
+          <p:cNvPr id="4" name="標題 1"/>
+          <p:cNvSpPr txBox="1">
+            <a:spLocks/>
+          </p:cNvSpPr>
+          <p:nvPr/>
+        </p:nvSpPr>
+        <p:spPr>
+          <a:xfrm>
+            <a:off x="0" y="764704"/>
+            <a:ext cx="9144000" cy="360040"/>
+          </a:xfrm>
+          <a:prstGeom prst="rect">
+            <a:avLst/>
+          </a:prstGeom>
+          <a:gradFill flip="none" rotWithShape="1">
+            <a:gsLst>
+              <a:gs pos="0">
+                <a:srgbClr val="00B0F0">
+                  <a:shade val="30000"/>
+                  <a:satMod val="115000"/>
+                </a:srgbClr>
+              </a:gs>
+              <a:gs pos="50000">
+                <a:srgbClr val="00B0F0">
+                  <a:shade val="67500"/>
+                  <a:satMod val="115000"/>
+                </a:srgbClr>
+              </a:gs>
+              <a:gs pos="100000">
+                <a:srgbClr val="00B0F0">
+                  <a:shade val="100000"/>
+                  <a:satMod val="115000"/>
+                </a:srgbClr>
+              </a:gs>
+            </a:gsLst>
+            <a:path path="circle">
+              <a:fillToRect t="100000" r="100000"/>
+            </a:path>
+            <a:tileRect l="-100000" b="-100000"/>
+          </a:gradFill>
+        </p:spPr>
+        <p:txBody>
+          <a:bodyPr vert="horz" lIns="91440" tIns="45720" rIns="91440" bIns="45720" rtlCol="0" anchor="ctr">
+            <a:normAutofit/>
+          </a:bodyPr>
+          <a:lstStyle/>
+          <a:p>
+            <a:pPr lvl="0">
+              <a:spcBef>
+                <a:spcPct val="0"/>
+              </a:spcBef>
+            </a:pPr>
+            <a:r>
+              <a:rPr lang="en-US" sz="1600" dirty="0"/>
+              <a:t>https://www.youtube.com/watch?v=HnuY7NhzLGM&amp;list=PLD0D54219E5F2544D&amp;index=4</a:t>
+            </a:r>
+            <a:endParaRPr kumimoji="0" lang="zh-TW" altLang="en-US" sz="1600" b="0" i="0" u="none" strike="noStrike" kern="1200" cap="none" spc="0" normalizeH="0" baseline="0" noProof="0" dirty="0">
+              <a:ln>
+                <a:noFill/>
+              </a:ln>
+              <a:solidFill>
+                <a:schemeClr val="tx1"/>
+              </a:solidFill>
+              <a:effectLst/>
+              <a:uLnTx/>
+              <a:uFillTx/>
+              <a:latin typeface="+mj-lt"/>
+              <a:ea typeface="+mj-ea"/>
+              <a:cs typeface="+mj-cs"/>
+            </a:endParaRPr>
+          </a:p>
+        </p:txBody>
+      </p:sp>
+      <p:sp>
+        <p:nvSpPr>
+          <p:cNvPr id="5" name="日期版面配置區 4"/>
+          <p:cNvSpPr>
+            <a:spLocks noGrp="1"/>
+          </p:cNvSpPr>
+          <p:nvPr>
+            <p:ph type="dt" sz="half" idx="10"/>
+          </p:nvPr>
+        </p:nvSpPr>
+        <p:spPr/>
+        <p:txBody>
+          <a:bodyPr/>
+          <a:lstStyle/>
+          <a:p>
+            <a:fld id="{A4F910E6-8D00-4BAF-8C48-9688E0B449D3}" type="datetime1">
+              <a:rPr lang="zh-TW" altLang="en-US" smtClean="0"/>
+              <a:pPr/>
+              <a:t>2022/10/31</a:t>
+            </a:fld>
+            <a:endParaRPr lang="zh-TW" altLang="en-US"/>
+          </a:p>
+        </p:txBody>
+      </p:sp>
+      <p:sp>
+        <p:nvSpPr>
+          <p:cNvPr id="6" name="投影片編號版面配置區 5"/>
+          <p:cNvSpPr>
+            <a:spLocks noGrp="1"/>
+          </p:cNvSpPr>
+          <p:nvPr>
+            <p:ph type="sldNum" sz="quarter" idx="12"/>
+          </p:nvPr>
+        </p:nvSpPr>
+        <p:spPr/>
+        <p:txBody>
+          <a:bodyPr/>
+          <a:lstStyle/>
+          <a:p>
+            <a:fld id="{E4D7E63D-91F2-4366-A2C4-1B00C9E2590E}" type="slidenum">
+              <a:rPr lang="zh-TW" altLang="en-US" smtClean="0"/>
+              <a:pPr/>
+              <a:t>2</a:t>
+            </a:fld>
+            <a:endParaRPr lang="zh-TW" altLang="en-US"/>
+          </a:p>
+        </p:txBody>
+      </p:sp>
+    </p:spTree>
+    <p:extLst>
+      <p:ext uri="{BB962C8B-B14F-4D97-AF65-F5344CB8AC3E}">
+        <p14:creationId xmlns:p14="http://schemas.microsoft.com/office/powerpoint/2010/main" val="3327016651"/>
+      </p:ext>
+    </p:extLst>
+  </p:cSld>
+  <p:clrMapOvr>
+    <a:masterClrMapping/>
+  </p:clrMapOvr>
+</p:sld>
+</file>
+
+<file path=ppt/slides/slide3.xml><?xml version="1.0" encoding="utf-8"?>
+<p:sld xmlns:a="http://schemas.openxmlformats.org/drawingml/2006/main" xmlns:r="http://schemas.openxmlformats.org/officeDocument/2006/relationships" xmlns:p="http://schemas.openxmlformats.org/presentationml/2006/main">
+  <p:cSld>
+    <p:spTree>
+      <p:nvGrpSpPr>
+        <p:cNvPr id="1" name=""/>
+        <p:cNvGrpSpPr/>
+        <p:nvPr/>
+      </p:nvGrpSpPr>
+      <p:grpSpPr>
+        <a:xfrm>
+          <a:off x="0" y="0"/>
+          <a:ext cx="0" cy="0"/>
+          <a:chOff x="0" y="0"/>
+          <a:chExt cx="0" cy="0"/>
+        </a:xfrm>
+      </p:grpSpPr>
+      <p:sp>
+        <p:nvSpPr>
+          <p:cNvPr id="2" name="標題 1"/>
+          <p:cNvSpPr>
+            <a:spLocks noGrp="1"/>
+          </p:cNvSpPr>
+          <p:nvPr>
+            <p:ph type="ctrTitle"/>
+          </p:nvPr>
+        </p:nvSpPr>
+        <p:spPr>
+          <a:xfrm>
+            <a:off x="0" y="2130425"/>
+            <a:ext cx="9144000" cy="1470025"/>
+          </a:xfrm>
+          <a:solidFill>
+            <a:srgbClr val="00B0F0"/>
+          </a:solidFill>
+        </p:spPr>
+        <p:txBody>
+          <a:bodyPr>
+            <a:normAutofit/>
+          </a:bodyPr>
+          <a:lstStyle/>
+          <a:p>
+            <a:r>
+              <a:rPr lang="en-US" altLang="zh-TW" sz="4000" b="1" dirty="0">
+                <a:solidFill>
+                  <a:srgbClr val="FFFF00"/>
+                </a:solidFill>
+              </a:rPr>
+              <a:t>504.1 Create Qt Project</a:t>
+            </a:r>
+            <a:endParaRPr lang="zh-TW" altLang="en-US" sz="4000" b="1" dirty="0">
+              <a:solidFill>
+                <a:srgbClr val="FFFF00"/>
+              </a:solidFill>
+            </a:endParaRPr>
+          </a:p>
+        </p:txBody>
+      </p:sp>
+      <p:sp>
+        <p:nvSpPr>
+          <p:cNvPr id="5" name="日期版面配置區 4"/>
+          <p:cNvSpPr>
+            <a:spLocks noGrp="1"/>
+          </p:cNvSpPr>
+          <p:nvPr>
+            <p:ph type="dt" sz="half" idx="10"/>
+          </p:nvPr>
+        </p:nvSpPr>
+        <p:spPr/>
+        <p:txBody>
+          <a:bodyPr/>
+          <a:lstStyle/>
+          <a:p>
+            <a:fld id="{C389EDC9-19E3-47AC-9C57-C6A24DEA81AD}" type="datetime1">
+              <a:rPr lang="zh-TW" altLang="en-US" smtClean="0"/>
+              <a:pPr/>
+              <a:t>2022/10/31</a:t>
+            </a:fld>
+            <a:endParaRPr lang="zh-TW" altLang="en-US"/>
+          </a:p>
+        </p:txBody>
+      </p:sp>
+      <p:sp>
+        <p:nvSpPr>
+          <p:cNvPr id="6" name="投影片編號版面配置區 5"/>
+          <p:cNvSpPr>
+            <a:spLocks noGrp="1"/>
+          </p:cNvSpPr>
+          <p:nvPr>
+            <p:ph type="sldNum" sz="quarter" idx="12"/>
+          </p:nvPr>
+        </p:nvSpPr>
+        <p:spPr/>
+        <p:txBody>
+          <a:bodyPr/>
+          <a:lstStyle/>
+          <a:p>
+            <a:fld id="{E4D7E63D-91F2-4366-A2C4-1B00C9E2590E}" type="slidenum">
+              <a:rPr lang="zh-TW" altLang="en-US" smtClean="0"/>
+              <a:pPr/>
+              <a:t>3</a:t>
+            </a:fld>
+            <a:endParaRPr lang="zh-TW" altLang="en-US"/>
+          </a:p>
+        </p:txBody>
+      </p:sp>
+      <p:pic>
+        <p:nvPicPr>
+          <p:cNvPr id="1026" name="Picture 2" descr="Image result for Qt logo">
+            <a:extLst>
+              <a:ext uri="{FF2B5EF4-FFF2-40B4-BE49-F238E27FC236}">
+                <a16:creationId xmlns:a16="http://schemas.microsoft.com/office/drawing/2014/main" id="{5BB30E86-0076-AFE3-8108-81F5E04DE19B}"/>
+              </a:ext>
+            </a:extLst>
+          </p:cNvPr>
+          <p:cNvPicPr>
+            <a:picLocks noChangeAspect="1" noChangeArrowheads="1"/>
+          </p:cNvPicPr>
+          <p:nvPr/>
+        </p:nvPicPr>
+        <p:blipFill>
+          <a:blip r:embed="rId2">
+            <a:extLst>
+              <a:ext uri="{28A0092B-C50C-407E-A947-70E740481C1C}">
+                <a14:useLocalDpi xmlns:a14="http://schemas.microsoft.com/office/drawing/2010/main" val="0"/>
+              </a:ext>
+            </a:extLst>
+          </a:blip>
+          <a:srcRect/>
+          <a:stretch>
+            <a:fillRect/>
+          </a:stretch>
+        </p:blipFill>
+        <p:spPr bwMode="auto">
+          <a:xfrm>
+            <a:off x="3923928" y="3665344"/>
+            <a:ext cx="1296144" cy="950506"/>
+          </a:xfrm>
+          <a:prstGeom prst="rect">
+            <a:avLst/>
+          </a:prstGeom>
+          <a:noFill/>
+          <a:extLst>
+            <a:ext uri="{909E8E84-426E-40DD-AFC4-6F175D3DCCD1}">
+              <a14:hiddenFill xmlns:a14="http://schemas.microsoft.com/office/drawing/2010/main">
+                <a:solidFill>
+                  <a:srgbClr val="FFFFFF"/>
+                </a:solidFill>
+              </a14:hiddenFill>
+            </a:ext>
+          </a:extLst>
+        </p:spPr>
+      </p:pic>
+    </p:spTree>
+    <p:extLst>
+      <p:ext uri="{BB962C8B-B14F-4D97-AF65-F5344CB8AC3E}">
+        <p14:creationId xmlns:p14="http://schemas.microsoft.com/office/powerpoint/2010/main" val="3464816986"/>
+      </p:ext>
+    </p:extLst>
+  </p:cSld>
+  <p:clrMapOvr>
+    <a:masterClrMapping/>
+  </p:clrMapOvr>
+</p:sld>
+</file>
+
+<file path=ppt/slides/slide4.xml><?xml version="1.0" encoding="utf-8"?>
+<p:sld xmlns:a="http://schemas.openxmlformats.org/drawingml/2006/main" xmlns:r="http://schemas.openxmlformats.org/officeDocument/2006/relationships" xmlns:p="http://schemas.openxmlformats.org/presentationml/2006/main">
+  <p:cSld>
+    <p:spTree>
+      <p:nvGrpSpPr>
+        <p:cNvPr id="1" name=""/>
+        <p:cNvGrpSpPr/>
+        <p:nvPr/>
+      </p:nvGrpSpPr>
+      <p:grpSpPr>
+        <a:xfrm>
+          <a:off x="0" y="0"/>
+          <a:ext cx="0" cy="0"/>
+          <a:chOff x="0" y="0"/>
+          <a:chExt cx="0" cy="0"/>
+        </a:xfrm>
+      </p:grpSpPr>
+      <p:pic>
+        <p:nvPicPr>
+          <p:cNvPr id="8" name="Picture 7">
+            <a:extLst>
+              <a:ext uri="{FF2B5EF4-FFF2-40B4-BE49-F238E27FC236}">
+                <a16:creationId xmlns:a16="http://schemas.microsoft.com/office/drawing/2014/main" id="{3ED4985B-37F1-7AA6-CF2C-D49ADBADCF57}"/>
+              </a:ext>
+            </a:extLst>
+          </p:cNvPr>
+          <p:cNvPicPr>
+            <a:picLocks noChangeAspect="1"/>
+          </p:cNvPicPr>
+          <p:nvPr/>
+        </p:nvPicPr>
+        <p:blipFill>
+          <a:blip r:embed="rId2"/>
+          <a:stretch>
+            <a:fillRect/>
+          </a:stretch>
+        </p:blipFill>
+        <p:spPr>
+          <a:xfrm>
+            <a:off x="1115616" y="2136236"/>
+            <a:ext cx="6089923" cy="3157738"/>
+          </a:xfrm>
+          <a:prstGeom prst="rect">
+            <a:avLst/>
+          </a:prstGeom>
+          <a:ln>
+            <a:solidFill>
+              <a:srgbClr val="C00000"/>
+            </a:solidFill>
+          </a:ln>
+        </p:spPr>
+      </p:pic>
+      <p:sp>
+        <p:nvSpPr>
+          <p:cNvPr id="2" name="標題 1"/>
+          <p:cNvSpPr>
+            <a:spLocks noGrp="1"/>
+          </p:cNvSpPr>
+          <p:nvPr>
+            <p:ph type="ctrTitle"/>
+          </p:nvPr>
+        </p:nvSpPr>
+        <p:spPr>
+          <a:xfrm>
+            <a:off x="0" y="1"/>
+            <a:ext cx="9144000" cy="764704"/>
+          </a:xfrm>
+          <a:gradFill flip="none" rotWithShape="1">
+            <a:gsLst>
+              <a:gs pos="0">
+                <a:srgbClr val="C00000">
+                  <a:shade val="30000"/>
+                  <a:satMod val="115000"/>
+                </a:srgbClr>
+              </a:gs>
+              <a:gs pos="50000">
+                <a:srgbClr val="C00000">
+                  <a:shade val="67500"/>
+                  <a:satMod val="115000"/>
+                </a:srgbClr>
+              </a:gs>
+              <a:gs pos="100000">
+                <a:srgbClr val="C00000">
+                  <a:shade val="100000"/>
+                  <a:satMod val="115000"/>
+                </a:srgbClr>
+              </a:gs>
+            </a:gsLst>
+            <a:path path="circle">
+              <a:fillToRect t="100000" r="100000"/>
+            </a:path>
+            <a:tileRect l="-100000" b="-100000"/>
+          </a:gradFill>
+        </p:spPr>
+        <p:txBody>
+          <a:bodyPr>
+            <a:normAutofit/>
+          </a:bodyPr>
+          <a:lstStyle/>
+          <a:p>
+            <a:pPr algn="l"/>
+            <a:r>
+              <a:rPr lang="en-US" altLang="zh-TW" sz="4000" b="1" dirty="0">
+                <a:solidFill>
+                  <a:srgbClr val="FFFF00"/>
+                </a:solidFill>
+              </a:rPr>
+              <a:t>504.1 Create Qt Project</a:t>
+            </a:r>
+            <a:endParaRPr lang="zh-TW" altLang="en-US" sz="4000" b="1" dirty="0">
+              <a:solidFill>
+                <a:srgbClr val="FFFF00"/>
+              </a:solidFill>
+            </a:endParaRPr>
+          </a:p>
+        </p:txBody>
+      </p:sp>
+      <p:sp>
+        <p:nvSpPr>
+          <p:cNvPr id="3" name="副標題 2"/>
+          <p:cNvSpPr>
+            <a:spLocks noGrp="1"/>
+          </p:cNvSpPr>
+          <p:nvPr>
+            <p:ph type="subTitle" idx="1"/>
+          </p:nvPr>
+        </p:nvSpPr>
+        <p:spPr>
+          <a:xfrm>
+            <a:off x="438024" y="1250428"/>
+            <a:ext cx="7806383" cy="738412"/>
+          </a:xfrm>
+          <a:ln>
+            <a:solidFill>
+              <a:srgbClr val="C00000"/>
+            </a:solidFill>
+          </a:ln>
+        </p:spPr>
+        <p:txBody>
+          <a:bodyPr>
+            <a:noAutofit/>
+          </a:bodyPr>
+          <a:lstStyle/>
+          <a:p>
+            <a:pPr marL="342900" indent="-342900" algn="l">
+              <a:buClr>
+                <a:srgbClr val="0070C0"/>
+              </a:buClr>
+              <a:buSzPct val="80000"/>
+              <a:buFont typeface="Wingdings" pitchFamily="2" charset="2"/>
+              <a:buChar char="u"/>
+            </a:pPr>
+            <a:r>
+              <a:rPr lang="en-US" sz="1800" b="1" dirty="0">
+                <a:solidFill>
+                  <a:schemeClr val="tx1"/>
+                </a:solidFill>
+              </a:rPr>
+              <a:t>Create Qt Project</a:t>
+            </a:r>
+          </a:p>
+          <a:p>
+            <a:pPr marL="342900" indent="-342900" algn="l">
+              <a:buClr>
+                <a:srgbClr val="0070C0"/>
+              </a:buClr>
+              <a:buSzPct val="80000"/>
+              <a:buFont typeface="Wingdings" pitchFamily="2" charset="2"/>
+              <a:buChar char="u"/>
+            </a:pPr>
+            <a:r>
+              <a:rPr lang="en-US" sz="1800" dirty="0">
+                <a:solidFill>
+                  <a:schemeClr val="tx1"/>
+                </a:solidFill>
+              </a:rPr>
+              <a:t>We create a very basic project.</a:t>
+            </a:r>
+          </a:p>
+        </p:txBody>
+      </p:sp>
+      <p:sp>
+        <p:nvSpPr>
+          <p:cNvPr id="4" name="標題 1"/>
+          <p:cNvSpPr txBox="1">
+            <a:spLocks/>
+          </p:cNvSpPr>
+          <p:nvPr/>
+        </p:nvSpPr>
+        <p:spPr>
+          <a:xfrm>
+            <a:off x="0" y="764704"/>
+            <a:ext cx="9144000" cy="360040"/>
+          </a:xfrm>
+          <a:prstGeom prst="rect">
+            <a:avLst/>
+          </a:prstGeom>
+          <a:gradFill flip="none" rotWithShape="1">
+            <a:gsLst>
+              <a:gs pos="0">
+                <a:srgbClr val="00B0F0">
+                  <a:shade val="30000"/>
+                  <a:satMod val="115000"/>
+                </a:srgbClr>
+              </a:gs>
+              <a:gs pos="50000">
+                <a:srgbClr val="00B0F0">
+                  <a:shade val="67500"/>
+                  <a:satMod val="115000"/>
+                </a:srgbClr>
+              </a:gs>
+              <a:gs pos="100000">
+                <a:srgbClr val="00B0F0">
+                  <a:shade val="100000"/>
+                  <a:satMod val="115000"/>
+                </a:srgbClr>
+              </a:gs>
+            </a:gsLst>
+            <a:path path="circle">
+              <a:fillToRect t="100000" r="100000"/>
+            </a:path>
+            <a:tileRect l="-100000" b="-100000"/>
+          </a:gradFill>
+        </p:spPr>
+        <p:txBody>
+          <a:bodyPr vert="horz" lIns="91440" tIns="45720" rIns="91440" bIns="45720" rtlCol="0" anchor="ctr">
+            <a:normAutofit/>
+          </a:bodyPr>
+          <a:lstStyle/>
+          <a:p>
+            <a:pPr lvl="0">
+              <a:spcBef>
+                <a:spcPct val="0"/>
+              </a:spcBef>
+            </a:pPr>
+            <a:r>
+              <a:rPr lang="en-US" sz="1600" dirty="0"/>
+              <a:t>https://www.youtube.com/watch?v=HnuY7NhzLGM&amp;list=PLD0D54219E5F2544D&amp;index=4</a:t>
+            </a:r>
+            <a:endParaRPr kumimoji="0" lang="zh-TW" altLang="en-US" sz="1600" b="0" i="0" u="none" strike="noStrike" kern="1200" cap="none" spc="0" normalizeH="0" baseline="0" noProof="0" dirty="0">
+              <a:ln>
+                <a:noFill/>
+              </a:ln>
+              <a:solidFill>
+                <a:schemeClr val="tx1"/>
+              </a:solidFill>
+              <a:effectLst/>
+              <a:uLnTx/>
+              <a:uFillTx/>
+              <a:latin typeface="+mj-lt"/>
+              <a:ea typeface="+mj-ea"/>
+              <a:cs typeface="+mj-cs"/>
+            </a:endParaRPr>
+          </a:p>
+        </p:txBody>
+      </p:sp>
+      <p:sp>
+        <p:nvSpPr>
+          <p:cNvPr id="5" name="日期版面配置區 4"/>
+          <p:cNvSpPr>
+            <a:spLocks noGrp="1"/>
+          </p:cNvSpPr>
+          <p:nvPr>
+            <p:ph type="dt" sz="half" idx="10"/>
+          </p:nvPr>
+        </p:nvSpPr>
+        <p:spPr/>
+        <p:txBody>
+          <a:bodyPr/>
+          <a:lstStyle/>
+          <a:p>
+            <a:fld id="{A4F910E6-8D00-4BAF-8C48-9688E0B449D3}" type="datetime1">
+              <a:rPr lang="zh-TW" altLang="en-US" smtClean="0"/>
+              <a:pPr/>
+              <a:t>2022/10/31</a:t>
+            </a:fld>
+            <a:endParaRPr lang="zh-TW" altLang="en-US"/>
+          </a:p>
+        </p:txBody>
+      </p:sp>
+      <p:sp>
+        <p:nvSpPr>
+          <p:cNvPr id="6" name="投影片編號版面配置區 5"/>
+          <p:cNvSpPr>
+            <a:spLocks noGrp="1"/>
+          </p:cNvSpPr>
+          <p:nvPr>
+            <p:ph type="sldNum" sz="quarter" idx="12"/>
+          </p:nvPr>
+        </p:nvSpPr>
+        <p:spPr/>
+        <p:txBody>
+          <a:bodyPr/>
+          <a:lstStyle/>
+          <a:p>
+            <a:fld id="{E4D7E63D-91F2-4366-A2C4-1B00C9E2590E}" type="slidenum">
+              <a:rPr lang="zh-TW" altLang="en-US" smtClean="0"/>
+              <a:pPr/>
+              <a:t>4</a:t>
+            </a:fld>
+            <a:endParaRPr lang="zh-TW" altLang="en-US"/>
+          </a:p>
+        </p:txBody>
+      </p:sp>
+    </p:spTree>
+    <p:extLst>
+      <p:ext uri="{BB962C8B-B14F-4D97-AF65-F5344CB8AC3E}">
+        <p14:creationId xmlns:p14="http://schemas.microsoft.com/office/powerpoint/2010/main" val="2609460876"/>
+      </p:ext>
+    </p:extLst>
+  </p:cSld>
+  <p:clrMapOvr>
+    <a:masterClrMapping/>
+  </p:clrMapOvr>
+</p:sld>
+</file>
+
+<file path=ppt/slides/slide5.xml><?xml version="1.0" encoding="utf-8"?>
+<p:sld xmlns:a="http://schemas.openxmlformats.org/drawingml/2006/main" xmlns:r="http://schemas.openxmlformats.org/officeDocument/2006/relationships" xmlns:p="http://schemas.openxmlformats.org/presentationml/2006/main">
+  <p:cSld>
+    <p:spTree>
+      <p:nvGrpSpPr>
+        <p:cNvPr id="1" name=""/>
+        <p:cNvGrpSpPr/>
+        <p:nvPr/>
+      </p:nvGrpSpPr>
+      <p:grpSpPr>
+        <a:xfrm>
+          <a:off x="0" y="0"/>
+          <a:ext cx="0" cy="0"/>
+          <a:chOff x="0" y="0"/>
+          <a:chExt cx="0" cy="0"/>
+        </a:xfrm>
+      </p:grpSpPr>
+      <p:sp>
+        <p:nvSpPr>
+          <p:cNvPr id="2" name="標題 1"/>
+          <p:cNvSpPr>
+            <a:spLocks noGrp="1"/>
+          </p:cNvSpPr>
+          <p:nvPr>
+            <p:ph type="ctrTitle"/>
+          </p:nvPr>
+        </p:nvSpPr>
+        <p:spPr>
+          <a:xfrm>
+            <a:off x="0" y="2130425"/>
+            <a:ext cx="9144000" cy="1470025"/>
+          </a:xfrm>
+          <a:solidFill>
+            <a:srgbClr val="00B0F0"/>
+          </a:solidFill>
+        </p:spPr>
+        <p:txBody>
+          <a:bodyPr>
+            <a:normAutofit/>
+          </a:bodyPr>
+          <a:lstStyle/>
+          <a:p>
+            <a:r>
+              <a:rPr lang="en-US" altLang="zh-TW" sz="4000" b="1" dirty="0">
+                <a:solidFill>
+                  <a:srgbClr val="FFFF00"/>
+                </a:solidFill>
+              </a:rPr>
+              <a:t>504.2 Create Basic Qt Application</a:t>
+            </a:r>
+            <a:endParaRPr lang="zh-TW" altLang="en-US" sz="4000" b="1" dirty="0">
+              <a:solidFill>
+                <a:srgbClr val="FFFF00"/>
+              </a:solidFill>
+            </a:endParaRPr>
+          </a:p>
+        </p:txBody>
+      </p:sp>
+      <p:sp>
+        <p:nvSpPr>
+          <p:cNvPr id="5" name="日期版面配置區 4"/>
+          <p:cNvSpPr>
+            <a:spLocks noGrp="1"/>
+          </p:cNvSpPr>
+          <p:nvPr>
+            <p:ph type="dt" sz="half" idx="10"/>
+          </p:nvPr>
+        </p:nvSpPr>
+        <p:spPr/>
+        <p:txBody>
+          <a:bodyPr/>
+          <a:lstStyle/>
+          <a:p>
+            <a:fld id="{C389EDC9-19E3-47AC-9C57-C6A24DEA81AD}" type="datetime1">
+              <a:rPr lang="zh-TW" altLang="en-US" smtClean="0"/>
+              <a:pPr/>
+              <a:t>2022/10/31</a:t>
+            </a:fld>
+            <a:endParaRPr lang="zh-TW" altLang="en-US"/>
+          </a:p>
+        </p:txBody>
+      </p:sp>
+      <p:sp>
+        <p:nvSpPr>
+          <p:cNvPr id="6" name="投影片編號版面配置區 5"/>
+          <p:cNvSpPr>
+            <a:spLocks noGrp="1"/>
+          </p:cNvSpPr>
+          <p:nvPr>
+            <p:ph type="sldNum" sz="quarter" idx="12"/>
+          </p:nvPr>
+        </p:nvSpPr>
+        <p:spPr/>
+        <p:txBody>
+          <a:bodyPr/>
+          <a:lstStyle/>
+          <a:p>
+            <a:fld id="{E4D7E63D-91F2-4366-A2C4-1B00C9E2590E}" type="slidenum">
+              <a:rPr lang="zh-TW" altLang="en-US" smtClean="0"/>
+              <a:pPr/>
               <a:t>5</a:t>
             </a:fld>
             <a:endParaRPr lang="zh-TW" altLang="en-US"/>
           </a:p>
         </p:txBody>
       </p:sp>
+      <p:pic>
+        <p:nvPicPr>
+          <p:cNvPr id="1026" name="Picture 2" descr="Image result for Qt logo">
+            <a:extLst>
+              <a:ext uri="{FF2B5EF4-FFF2-40B4-BE49-F238E27FC236}">
+                <a16:creationId xmlns:a16="http://schemas.microsoft.com/office/drawing/2014/main" id="{5BB30E86-0076-AFE3-8108-81F5E04DE19B}"/>
+              </a:ext>
+            </a:extLst>
+          </p:cNvPr>
+          <p:cNvPicPr>
+            <a:picLocks noChangeAspect="1" noChangeArrowheads="1"/>
+          </p:cNvPicPr>
+          <p:nvPr/>
+        </p:nvPicPr>
+        <p:blipFill>
+          <a:blip r:embed="rId2">
+            <a:extLst>
+              <a:ext uri="{28A0092B-C50C-407E-A947-70E740481C1C}">
+                <a14:useLocalDpi xmlns:a14="http://schemas.microsoft.com/office/drawing/2010/main" val="0"/>
+              </a:ext>
+            </a:extLst>
+          </a:blip>
+          <a:srcRect/>
+          <a:stretch>
+            <a:fillRect/>
+          </a:stretch>
+        </p:blipFill>
+        <p:spPr bwMode="auto">
+          <a:xfrm>
+            <a:off x="3923928" y="3665344"/>
+            <a:ext cx="1296144" cy="950506"/>
+          </a:xfrm>
+          <a:prstGeom prst="rect">
+            <a:avLst/>
+          </a:prstGeom>
+          <a:noFill/>
+          <a:extLst>
+            <a:ext uri="{909E8E84-426E-40DD-AFC4-6F175D3DCCD1}">
+              <a14:hiddenFill xmlns:a14="http://schemas.microsoft.com/office/drawing/2010/main">
+                <a:solidFill>
+                  <a:srgbClr val="FFFFFF"/>
+                </a:solidFill>
+              </a14:hiddenFill>
+            </a:ext>
+          </a:extLst>
+        </p:spPr>
+      </p:pic>
     </p:spTree>
+    <p:extLst>
+      <p:ext uri="{BB962C8B-B14F-4D97-AF65-F5344CB8AC3E}">
+        <p14:creationId xmlns:p14="http://schemas.microsoft.com/office/powerpoint/2010/main" val="2415850823"/>
+      </p:ext>
+    </p:extLst>
+  </p:cSld>
+  <p:clrMapOvr>
+    <a:masterClrMapping/>
+  </p:clrMapOvr>
+</p:sld>
+</file>
+
+<file path=ppt/slides/slide6.xml><?xml version="1.0" encoding="utf-8"?>
+<p:sld xmlns:a="http://schemas.openxmlformats.org/drawingml/2006/main" xmlns:r="http://schemas.openxmlformats.org/officeDocument/2006/relationships" xmlns:p="http://schemas.openxmlformats.org/presentationml/2006/main">
+  <p:cSld>
+    <p:spTree>
+      <p:nvGrpSpPr>
+        <p:cNvPr id="1" name=""/>
+        <p:cNvGrpSpPr/>
+        <p:nvPr/>
+      </p:nvGrpSpPr>
+      <p:grpSpPr>
+        <a:xfrm>
+          <a:off x="0" y="0"/>
+          <a:ext cx="0" cy="0"/>
+          <a:chOff x="0" y="0"/>
+          <a:chExt cx="0" cy="0"/>
+        </a:xfrm>
+      </p:grpSpPr>
+      <p:pic>
+        <p:nvPicPr>
+          <p:cNvPr id="22" name="Picture 21">
+            <a:extLst>
+              <a:ext uri="{FF2B5EF4-FFF2-40B4-BE49-F238E27FC236}">
+                <a16:creationId xmlns:a16="http://schemas.microsoft.com/office/drawing/2014/main" id="{C4E9E6B6-1759-8958-FEC4-CE16AC8E4BA4}"/>
+              </a:ext>
+            </a:extLst>
+          </p:cNvPr>
+          <p:cNvPicPr>
+            <a:picLocks noChangeAspect="1"/>
+          </p:cNvPicPr>
+          <p:nvPr/>
+        </p:nvPicPr>
+        <p:blipFill>
+          <a:blip r:embed="rId2"/>
+          <a:stretch>
+            <a:fillRect/>
+          </a:stretch>
+        </p:blipFill>
+        <p:spPr>
+          <a:xfrm>
+            <a:off x="3787080" y="3403073"/>
+            <a:ext cx="5105400" cy="2600325"/>
+          </a:xfrm>
+          <a:prstGeom prst="rect">
+            <a:avLst/>
+          </a:prstGeom>
+          <a:ln>
+            <a:solidFill>
+              <a:srgbClr val="C00000"/>
+            </a:solidFill>
+          </a:ln>
+        </p:spPr>
+      </p:pic>
+      <p:sp>
+        <p:nvSpPr>
+          <p:cNvPr id="2" name="標題 1"/>
+          <p:cNvSpPr>
+            <a:spLocks noGrp="1"/>
+          </p:cNvSpPr>
+          <p:nvPr>
+            <p:ph type="ctrTitle"/>
+          </p:nvPr>
+        </p:nvSpPr>
+        <p:spPr>
+          <a:xfrm>
+            <a:off x="0" y="1"/>
+            <a:ext cx="9144000" cy="764704"/>
+          </a:xfrm>
+          <a:gradFill flip="none" rotWithShape="1">
+            <a:gsLst>
+              <a:gs pos="0">
+                <a:srgbClr val="C00000">
+                  <a:shade val="30000"/>
+                  <a:satMod val="115000"/>
+                </a:srgbClr>
+              </a:gs>
+              <a:gs pos="50000">
+                <a:srgbClr val="C00000">
+                  <a:shade val="67500"/>
+                  <a:satMod val="115000"/>
+                </a:srgbClr>
+              </a:gs>
+              <a:gs pos="100000">
+                <a:srgbClr val="C00000">
+                  <a:shade val="100000"/>
+                  <a:satMod val="115000"/>
+                </a:srgbClr>
+              </a:gs>
+            </a:gsLst>
+            <a:path path="circle">
+              <a:fillToRect t="100000" r="100000"/>
+            </a:path>
+            <a:tileRect l="-100000" b="-100000"/>
+          </a:gradFill>
+        </p:spPr>
+        <p:txBody>
+          <a:bodyPr>
+            <a:normAutofit/>
+          </a:bodyPr>
+          <a:lstStyle/>
+          <a:p>
+            <a:pPr algn="l"/>
+            <a:r>
+              <a:rPr lang="en-US" altLang="zh-TW" sz="4000" b="1" dirty="0">
+                <a:solidFill>
+                  <a:srgbClr val="FFFF00"/>
+                </a:solidFill>
+              </a:rPr>
+              <a:t>504.2 Create Basic Qt Application</a:t>
+            </a:r>
+            <a:endParaRPr lang="zh-TW" altLang="en-US" sz="4000" b="1" dirty="0">
+              <a:solidFill>
+                <a:srgbClr val="FFFF00"/>
+              </a:solidFill>
+            </a:endParaRPr>
+          </a:p>
+        </p:txBody>
+      </p:sp>
+      <p:sp>
+        <p:nvSpPr>
+          <p:cNvPr id="3" name="副標題 2"/>
+          <p:cNvSpPr>
+            <a:spLocks noGrp="1"/>
+          </p:cNvSpPr>
+          <p:nvPr>
+            <p:ph type="subTitle" idx="1"/>
+          </p:nvPr>
+        </p:nvSpPr>
+        <p:spPr>
+          <a:xfrm>
+            <a:off x="438024" y="1250428"/>
+            <a:ext cx="8454456" cy="1977404"/>
+          </a:xfrm>
+          <a:ln>
+            <a:solidFill>
+              <a:srgbClr val="C00000"/>
+            </a:solidFill>
+          </a:ln>
+        </p:spPr>
+        <p:txBody>
+          <a:bodyPr>
+            <a:noAutofit/>
+          </a:bodyPr>
+          <a:lstStyle/>
+          <a:p>
+            <a:pPr marL="342900" indent="-342900" algn="l">
+              <a:buClr>
+                <a:srgbClr val="0070C0"/>
+              </a:buClr>
+              <a:buSzPct val="80000"/>
+              <a:buFont typeface="Wingdings" pitchFamily="2" charset="2"/>
+              <a:buChar char="u"/>
+            </a:pPr>
+            <a:r>
+              <a:rPr lang="en-US" sz="1800" b="1" dirty="0">
+                <a:solidFill>
+                  <a:schemeClr val="tx1"/>
+                </a:solidFill>
+              </a:rPr>
+              <a:t>Create Basic Qt Application</a:t>
+            </a:r>
+          </a:p>
+          <a:p>
+            <a:pPr marL="342900" indent="-342900" algn="l">
+              <a:buClr>
+                <a:srgbClr val="0070C0"/>
+              </a:buClr>
+              <a:buSzPct val="80000"/>
+              <a:buFont typeface="Wingdings" pitchFamily="2" charset="2"/>
+              <a:buChar char="u"/>
+            </a:pPr>
+            <a:r>
+              <a:rPr lang="en-US" sz="1800" dirty="0">
+                <a:solidFill>
+                  <a:schemeClr val="tx1"/>
+                </a:solidFill>
+              </a:rPr>
+              <a:t>Very basic Qt Application is four lines (1, 2, 3, 4) below.</a:t>
+            </a:r>
+          </a:p>
+          <a:p>
+            <a:pPr marL="342900" indent="-342900" algn="l">
+              <a:buClr>
+                <a:srgbClr val="0070C0"/>
+              </a:buClr>
+              <a:buSzPct val="80000"/>
+              <a:buFont typeface="Wingdings" pitchFamily="2" charset="2"/>
+              <a:buChar char="u"/>
+            </a:pPr>
+            <a:r>
+              <a:rPr lang="en-US" sz="1800" dirty="0">
+                <a:solidFill>
+                  <a:schemeClr val="tx1"/>
+                </a:solidFill>
+              </a:rPr>
+              <a:t>1. First line is to include a Q-Application: </a:t>
+            </a:r>
+          </a:p>
+          <a:p>
+            <a:pPr marL="342900" indent="-342900" algn="l">
+              <a:buClr>
+                <a:srgbClr val="0070C0"/>
+              </a:buClr>
+              <a:buSzPct val="80000"/>
+              <a:buFont typeface="Wingdings" pitchFamily="2" charset="2"/>
+              <a:buChar char="u"/>
+            </a:pPr>
+            <a:r>
+              <a:rPr lang="en-US" sz="1800" dirty="0">
+                <a:solidFill>
+                  <a:schemeClr val="tx1"/>
+                </a:solidFill>
+              </a:rPr>
+              <a:t>&lt;QtGui/QApplication&gt; allows us to create objects that are responsible for controlling our entire program. </a:t>
+            </a:r>
+          </a:p>
+          <a:p>
+            <a:pPr marL="342900" indent="-342900" algn="l">
+              <a:buClr>
+                <a:srgbClr val="0070C0"/>
+              </a:buClr>
+              <a:buSzPct val="80000"/>
+              <a:buFont typeface="Wingdings" pitchFamily="2" charset="2"/>
+              <a:buChar char="u"/>
+            </a:pPr>
+            <a:r>
+              <a:rPr lang="en-US" sz="1800" dirty="0">
+                <a:solidFill>
+                  <a:schemeClr val="tx1"/>
+                </a:solidFill>
+              </a:rPr>
+              <a:t>QApplication is to create the main object for a.exec() that execute our main program. </a:t>
+            </a:r>
+          </a:p>
+        </p:txBody>
+      </p:sp>
+      <p:sp>
+        <p:nvSpPr>
+          <p:cNvPr id="4" name="標題 1"/>
+          <p:cNvSpPr txBox="1">
+            <a:spLocks/>
+          </p:cNvSpPr>
+          <p:nvPr/>
+        </p:nvSpPr>
+        <p:spPr>
+          <a:xfrm>
+            <a:off x="0" y="764704"/>
+            <a:ext cx="9144000" cy="360040"/>
+          </a:xfrm>
+          <a:prstGeom prst="rect">
+            <a:avLst/>
+          </a:prstGeom>
+          <a:gradFill flip="none" rotWithShape="1">
+            <a:gsLst>
+              <a:gs pos="0">
+                <a:srgbClr val="00B0F0">
+                  <a:shade val="30000"/>
+                  <a:satMod val="115000"/>
+                </a:srgbClr>
+              </a:gs>
+              <a:gs pos="50000">
+                <a:srgbClr val="00B0F0">
+                  <a:shade val="67500"/>
+                  <a:satMod val="115000"/>
+                </a:srgbClr>
+              </a:gs>
+              <a:gs pos="100000">
+                <a:srgbClr val="00B0F0">
+                  <a:shade val="100000"/>
+                  <a:satMod val="115000"/>
+                </a:srgbClr>
+              </a:gs>
+            </a:gsLst>
+            <a:path path="circle">
+              <a:fillToRect t="100000" r="100000"/>
+            </a:path>
+            <a:tileRect l="-100000" b="-100000"/>
+          </a:gradFill>
+        </p:spPr>
+        <p:txBody>
+          <a:bodyPr vert="horz" lIns="91440" tIns="45720" rIns="91440" bIns="45720" rtlCol="0" anchor="ctr">
+            <a:normAutofit/>
+          </a:bodyPr>
+          <a:lstStyle/>
+          <a:p>
+            <a:pPr lvl="0">
+              <a:spcBef>
+                <a:spcPct val="0"/>
+              </a:spcBef>
+            </a:pPr>
+            <a:r>
+              <a:rPr lang="en-US" sz="1600" dirty="0"/>
+              <a:t>https://www.youtube.com/watch?v=HnuY7NhzLGM&amp;list=PLD0D54219E5F2544D&amp;index=4</a:t>
+            </a:r>
+            <a:endParaRPr kumimoji="0" lang="zh-TW" altLang="en-US" sz="1600" b="0" i="0" u="none" strike="noStrike" kern="1200" cap="none" spc="0" normalizeH="0" baseline="0" noProof="0" dirty="0">
+              <a:ln>
+                <a:noFill/>
+              </a:ln>
+              <a:solidFill>
+                <a:schemeClr val="tx1"/>
+              </a:solidFill>
+              <a:effectLst/>
+              <a:uLnTx/>
+              <a:uFillTx/>
+              <a:latin typeface="+mj-lt"/>
+              <a:ea typeface="+mj-ea"/>
+              <a:cs typeface="+mj-cs"/>
+            </a:endParaRPr>
+          </a:p>
+        </p:txBody>
+      </p:sp>
+      <p:sp>
+        <p:nvSpPr>
+          <p:cNvPr id="5" name="日期版面配置區 4"/>
+          <p:cNvSpPr>
+            <a:spLocks noGrp="1"/>
+          </p:cNvSpPr>
+          <p:nvPr>
+            <p:ph type="dt" sz="half" idx="10"/>
+          </p:nvPr>
+        </p:nvSpPr>
+        <p:spPr/>
+        <p:txBody>
+          <a:bodyPr/>
+          <a:lstStyle/>
+          <a:p>
+            <a:fld id="{A4F910E6-8D00-4BAF-8C48-9688E0B449D3}" type="datetime1">
+              <a:rPr lang="zh-TW" altLang="en-US" smtClean="0"/>
+              <a:pPr/>
+              <a:t>2022/10/31</a:t>
+            </a:fld>
+            <a:endParaRPr lang="zh-TW" altLang="en-US"/>
+          </a:p>
+        </p:txBody>
+      </p:sp>
+      <p:sp>
+        <p:nvSpPr>
+          <p:cNvPr id="6" name="投影片編號版面配置區 5"/>
+          <p:cNvSpPr>
+            <a:spLocks noGrp="1"/>
+          </p:cNvSpPr>
+          <p:nvPr>
+            <p:ph type="sldNum" sz="quarter" idx="12"/>
+          </p:nvPr>
+        </p:nvSpPr>
+        <p:spPr/>
+        <p:txBody>
+          <a:bodyPr/>
+          <a:lstStyle/>
+          <a:p>
+            <a:fld id="{E4D7E63D-91F2-4366-A2C4-1B00C9E2590E}" type="slidenum">
+              <a:rPr lang="zh-TW" altLang="en-US" smtClean="0"/>
+              <a:pPr/>
+              <a:t>6</a:t>
+            </a:fld>
+            <a:endParaRPr lang="zh-TW" altLang="en-US"/>
+          </a:p>
+        </p:txBody>
+      </p:sp>
+      <p:sp>
+        <p:nvSpPr>
+          <p:cNvPr id="14" name="Oval 13">
+            <a:extLst>
+              <a:ext uri="{FF2B5EF4-FFF2-40B4-BE49-F238E27FC236}">
+                <a16:creationId xmlns:a16="http://schemas.microsoft.com/office/drawing/2014/main" id="{ABB63CB5-6174-1F7B-C164-86F7AF2982BE}"/>
+              </a:ext>
+            </a:extLst>
+          </p:cNvPr>
+          <p:cNvSpPr/>
+          <p:nvPr/>
+        </p:nvSpPr>
+        <p:spPr>
+          <a:xfrm>
+            <a:off x="3619727" y="4093718"/>
+            <a:ext cx="253008" cy="236415"/>
+          </a:xfrm>
+          <a:prstGeom prst="ellipse">
+            <a:avLst/>
+          </a:prstGeom>
+          <a:solidFill>
+            <a:srgbClr val="FFFF00"/>
+          </a:solidFill>
+          <a:ln>
+            <a:solidFill>
+              <a:srgbClr val="C00000"/>
+            </a:solidFill>
+          </a:ln>
+        </p:spPr>
+        <p:style>
+          <a:lnRef idx="2">
+            <a:schemeClr val="accent1">
+              <a:shade val="50000"/>
+            </a:schemeClr>
+          </a:lnRef>
+          <a:fillRef idx="1">
+            <a:schemeClr val="accent1"/>
+          </a:fillRef>
+          <a:effectRef idx="0">
+            <a:schemeClr val="accent1"/>
+          </a:effectRef>
+          <a:fontRef idx="minor">
+            <a:schemeClr val="lt1"/>
+          </a:fontRef>
+        </p:style>
+        <p:txBody>
+          <a:bodyPr rtlCol="0" anchor="ctr"/>
+          <a:lstStyle/>
+          <a:p>
+            <a:pPr algn="ctr"/>
+            <a:r>
+              <a:rPr lang="en-US" sz="1000" dirty="0">
+                <a:solidFill>
+                  <a:schemeClr val="tx1"/>
+                </a:solidFill>
+              </a:rPr>
+              <a:t>1</a:t>
+            </a:r>
+          </a:p>
+        </p:txBody>
+      </p:sp>
+      <p:sp>
+        <p:nvSpPr>
+          <p:cNvPr id="15" name="Oval 14">
+            <a:extLst>
+              <a:ext uri="{FF2B5EF4-FFF2-40B4-BE49-F238E27FC236}">
+                <a16:creationId xmlns:a16="http://schemas.microsoft.com/office/drawing/2014/main" id="{CC240909-117D-A025-5AD4-0AB22C635D16}"/>
+              </a:ext>
+            </a:extLst>
+          </p:cNvPr>
+          <p:cNvSpPr/>
+          <p:nvPr/>
+        </p:nvSpPr>
+        <p:spPr>
+          <a:xfrm>
+            <a:off x="3619727" y="4505375"/>
+            <a:ext cx="253008" cy="247521"/>
+          </a:xfrm>
+          <a:prstGeom prst="ellipse">
+            <a:avLst/>
+          </a:prstGeom>
+          <a:solidFill>
+            <a:srgbClr val="FFFF00"/>
+          </a:solidFill>
+          <a:ln>
+            <a:solidFill>
+              <a:srgbClr val="C00000"/>
+            </a:solidFill>
+          </a:ln>
+        </p:spPr>
+        <p:style>
+          <a:lnRef idx="2">
+            <a:schemeClr val="accent1">
+              <a:shade val="50000"/>
+            </a:schemeClr>
+          </a:lnRef>
+          <a:fillRef idx="1">
+            <a:schemeClr val="accent1"/>
+          </a:fillRef>
+          <a:effectRef idx="0">
+            <a:schemeClr val="accent1"/>
+          </a:effectRef>
+          <a:fontRef idx="minor">
+            <a:schemeClr val="lt1"/>
+          </a:fontRef>
+        </p:style>
+        <p:txBody>
+          <a:bodyPr rtlCol="0" anchor="ctr"/>
+          <a:lstStyle/>
+          <a:p>
+            <a:pPr algn="ctr"/>
+            <a:r>
+              <a:rPr lang="en-US" sz="1000" dirty="0">
+                <a:solidFill>
+                  <a:schemeClr val="tx1"/>
+                </a:solidFill>
+              </a:rPr>
+              <a:t>2</a:t>
+            </a:r>
+          </a:p>
+        </p:txBody>
+      </p:sp>
+      <p:sp>
+        <p:nvSpPr>
+          <p:cNvPr id="17" name="Oval 16">
+            <a:extLst>
+              <a:ext uri="{FF2B5EF4-FFF2-40B4-BE49-F238E27FC236}">
+                <a16:creationId xmlns:a16="http://schemas.microsoft.com/office/drawing/2014/main" id="{50761546-0935-6EB4-FEED-5DB2D8893ED0}"/>
+              </a:ext>
+            </a:extLst>
+          </p:cNvPr>
+          <p:cNvSpPr/>
+          <p:nvPr/>
+        </p:nvSpPr>
+        <p:spPr>
+          <a:xfrm>
+            <a:off x="4020767" y="4752896"/>
+            <a:ext cx="253008" cy="247520"/>
+          </a:xfrm>
+          <a:prstGeom prst="ellipse">
+            <a:avLst/>
+          </a:prstGeom>
+          <a:solidFill>
+            <a:srgbClr val="FFFF00"/>
+          </a:solidFill>
+          <a:ln>
+            <a:solidFill>
+              <a:srgbClr val="C00000"/>
+            </a:solidFill>
+          </a:ln>
+        </p:spPr>
+        <p:style>
+          <a:lnRef idx="2">
+            <a:schemeClr val="accent1">
+              <a:shade val="50000"/>
+            </a:schemeClr>
+          </a:lnRef>
+          <a:fillRef idx="1">
+            <a:schemeClr val="accent1"/>
+          </a:fillRef>
+          <a:effectRef idx="0">
+            <a:schemeClr val="accent1"/>
+          </a:effectRef>
+          <a:fontRef idx="minor">
+            <a:schemeClr val="lt1"/>
+          </a:fontRef>
+        </p:style>
+        <p:txBody>
+          <a:bodyPr rtlCol="0" anchor="ctr"/>
+          <a:lstStyle/>
+          <a:p>
+            <a:pPr algn="ctr"/>
+            <a:r>
+              <a:rPr lang="en-US" sz="1000" dirty="0">
+                <a:solidFill>
+                  <a:schemeClr val="tx1"/>
+                </a:solidFill>
+              </a:rPr>
+              <a:t>3</a:t>
+            </a:r>
+          </a:p>
+        </p:txBody>
+      </p:sp>
+      <p:sp>
+        <p:nvSpPr>
+          <p:cNvPr id="18" name="Oval 17">
+            <a:extLst>
+              <a:ext uri="{FF2B5EF4-FFF2-40B4-BE49-F238E27FC236}">
+                <a16:creationId xmlns:a16="http://schemas.microsoft.com/office/drawing/2014/main" id="{EAD8F369-8774-B72B-DA55-7C4278E4AC3E}"/>
+              </a:ext>
+            </a:extLst>
+          </p:cNvPr>
+          <p:cNvSpPr/>
+          <p:nvPr/>
+        </p:nvSpPr>
+        <p:spPr>
+          <a:xfrm>
+            <a:off x="4020767" y="5499560"/>
+            <a:ext cx="253008" cy="216024"/>
+          </a:xfrm>
+          <a:prstGeom prst="ellipse">
+            <a:avLst/>
+          </a:prstGeom>
+          <a:solidFill>
+            <a:srgbClr val="FFFF00"/>
+          </a:solidFill>
+          <a:ln>
+            <a:solidFill>
+              <a:srgbClr val="C00000"/>
+            </a:solidFill>
+          </a:ln>
+        </p:spPr>
+        <p:style>
+          <a:lnRef idx="2">
+            <a:schemeClr val="accent1">
+              <a:shade val="50000"/>
+            </a:schemeClr>
+          </a:lnRef>
+          <a:fillRef idx="1">
+            <a:schemeClr val="accent1"/>
+          </a:fillRef>
+          <a:effectRef idx="0">
+            <a:schemeClr val="accent1"/>
+          </a:effectRef>
+          <a:fontRef idx="minor">
+            <a:schemeClr val="lt1"/>
+          </a:fontRef>
+        </p:style>
+        <p:txBody>
+          <a:bodyPr rtlCol="0" anchor="ctr"/>
+          <a:lstStyle/>
+          <a:p>
+            <a:pPr algn="ctr"/>
+            <a:r>
+              <a:rPr lang="en-US" sz="1000" dirty="0">
+                <a:solidFill>
+                  <a:schemeClr val="tx1"/>
+                </a:solidFill>
+              </a:rPr>
+              <a:t>4</a:t>
+            </a:r>
+          </a:p>
+        </p:txBody>
+      </p:sp>
+      <p:sp>
+        <p:nvSpPr>
+          <p:cNvPr id="19" name="副標題 2">
+            <a:extLst>
+              <a:ext uri="{FF2B5EF4-FFF2-40B4-BE49-F238E27FC236}">
+                <a16:creationId xmlns:a16="http://schemas.microsoft.com/office/drawing/2014/main" id="{2A8531B3-C578-1CDE-E519-C09D04378522}"/>
+              </a:ext>
+            </a:extLst>
+          </p:cNvPr>
+          <p:cNvSpPr txBox="1">
+            <a:spLocks/>
+          </p:cNvSpPr>
+          <p:nvPr/>
+        </p:nvSpPr>
+        <p:spPr>
+          <a:xfrm>
+            <a:off x="432168" y="3284067"/>
+            <a:ext cx="3039527" cy="1468830"/>
+          </a:xfrm>
+          <a:prstGeom prst="rect">
+            <a:avLst/>
+          </a:prstGeom>
+          <a:ln>
+            <a:solidFill>
+              <a:srgbClr val="C00000"/>
+            </a:solidFill>
+          </a:ln>
+        </p:spPr>
+        <p:txBody>
+          <a:bodyPr vert="horz" lIns="91440" tIns="45720" rIns="91440" bIns="45720" rtlCol="0">
+            <a:noAutofit/>
+          </a:bodyPr>
+          <a:lstStyle>
+            <a:lvl1pPr marL="0" indent="0" algn="ctr" defTabSz="914400" rtl="0" eaLnBrk="1" latinLnBrk="0" hangingPunct="1">
+              <a:spcBef>
+                <a:spcPct val="20000"/>
+              </a:spcBef>
+              <a:buFont typeface="Arial" pitchFamily="34" charset="0"/>
+              <a:buNone/>
+              <a:defRPr sz="3200" kern="1200">
+                <a:solidFill>
+                  <a:schemeClr val="tx1">
+                    <a:tint val="75000"/>
+                  </a:schemeClr>
+                </a:solidFill>
+                <a:latin typeface="+mn-lt"/>
+                <a:ea typeface="+mn-ea"/>
+                <a:cs typeface="+mn-cs"/>
+              </a:defRPr>
+            </a:lvl1pPr>
+            <a:lvl2pPr marL="457200" indent="0" algn="ctr" defTabSz="914400" rtl="0" eaLnBrk="1" latinLnBrk="0" hangingPunct="1">
+              <a:spcBef>
+                <a:spcPct val="20000"/>
+              </a:spcBef>
+              <a:buFont typeface="Arial" pitchFamily="34" charset="0"/>
+              <a:buNone/>
+              <a:defRPr sz="2800" kern="1200">
+                <a:solidFill>
+                  <a:schemeClr val="tx1">
+                    <a:tint val="75000"/>
+                  </a:schemeClr>
+                </a:solidFill>
+                <a:latin typeface="+mn-lt"/>
+                <a:ea typeface="+mn-ea"/>
+                <a:cs typeface="+mn-cs"/>
+              </a:defRPr>
+            </a:lvl2pPr>
+            <a:lvl3pPr marL="914400" indent="0" algn="ctr" defTabSz="914400" rtl="0" eaLnBrk="1" latinLnBrk="0" hangingPunct="1">
+              <a:spcBef>
+                <a:spcPct val="20000"/>
+              </a:spcBef>
+              <a:buFont typeface="Arial" pitchFamily="34" charset="0"/>
+              <a:buNone/>
+              <a:defRPr sz="2400" kern="1200">
+                <a:solidFill>
+                  <a:schemeClr val="tx1">
+                    <a:tint val="75000"/>
+                  </a:schemeClr>
+                </a:solidFill>
+                <a:latin typeface="+mn-lt"/>
+                <a:ea typeface="+mn-ea"/>
+                <a:cs typeface="+mn-cs"/>
+              </a:defRPr>
+            </a:lvl3pPr>
+            <a:lvl4pPr marL="1371600" indent="0" algn="ctr" defTabSz="914400" rtl="0" eaLnBrk="1" latinLnBrk="0" hangingPunct="1">
+              <a:spcBef>
+                <a:spcPct val="20000"/>
+              </a:spcBef>
+              <a:buFont typeface="Arial" pitchFamily="34" charset="0"/>
+              <a:buNone/>
+              <a:defRPr sz="2000" kern="1200">
+                <a:solidFill>
+                  <a:schemeClr val="tx1">
+                    <a:tint val="75000"/>
+                  </a:schemeClr>
+                </a:solidFill>
+                <a:latin typeface="+mn-lt"/>
+                <a:ea typeface="+mn-ea"/>
+                <a:cs typeface="+mn-cs"/>
+              </a:defRPr>
+            </a:lvl4pPr>
+            <a:lvl5pPr marL="1828800" indent="0" algn="ctr" defTabSz="914400" rtl="0" eaLnBrk="1" latinLnBrk="0" hangingPunct="1">
+              <a:spcBef>
+                <a:spcPct val="20000"/>
+              </a:spcBef>
+              <a:buFont typeface="Arial" pitchFamily="34" charset="0"/>
+              <a:buNone/>
+              <a:defRPr sz="2000" kern="1200">
+                <a:solidFill>
+                  <a:schemeClr val="tx1">
+                    <a:tint val="75000"/>
+                  </a:schemeClr>
+                </a:solidFill>
+                <a:latin typeface="+mn-lt"/>
+                <a:ea typeface="+mn-ea"/>
+                <a:cs typeface="+mn-cs"/>
+              </a:defRPr>
+            </a:lvl5pPr>
+            <a:lvl6pPr marL="2286000" indent="0" algn="ctr" defTabSz="914400" rtl="0" eaLnBrk="1" latinLnBrk="0" hangingPunct="1">
+              <a:spcBef>
+                <a:spcPct val="20000"/>
+              </a:spcBef>
+              <a:buFont typeface="Arial" pitchFamily="34" charset="0"/>
+              <a:buNone/>
+              <a:defRPr sz="2000" kern="1200">
+                <a:solidFill>
+                  <a:schemeClr val="tx1">
+                    <a:tint val="75000"/>
+                  </a:schemeClr>
+                </a:solidFill>
+                <a:latin typeface="+mn-lt"/>
+                <a:ea typeface="+mn-ea"/>
+                <a:cs typeface="+mn-cs"/>
+              </a:defRPr>
+            </a:lvl6pPr>
+            <a:lvl7pPr marL="2743200" indent="0" algn="ctr" defTabSz="914400" rtl="0" eaLnBrk="1" latinLnBrk="0" hangingPunct="1">
+              <a:spcBef>
+                <a:spcPct val="20000"/>
+              </a:spcBef>
+              <a:buFont typeface="Arial" pitchFamily="34" charset="0"/>
+              <a:buNone/>
+              <a:defRPr sz="2000" kern="1200">
+                <a:solidFill>
+                  <a:schemeClr val="tx1">
+                    <a:tint val="75000"/>
+                  </a:schemeClr>
+                </a:solidFill>
+                <a:latin typeface="+mn-lt"/>
+                <a:ea typeface="+mn-ea"/>
+                <a:cs typeface="+mn-cs"/>
+              </a:defRPr>
+            </a:lvl7pPr>
+            <a:lvl8pPr marL="3200400" indent="0" algn="ctr" defTabSz="914400" rtl="0" eaLnBrk="1" latinLnBrk="0" hangingPunct="1">
+              <a:spcBef>
+                <a:spcPct val="20000"/>
+              </a:spcBef>
+              <a:buFont typeface="Arial" pitchFamily="34" charset="0"/>
+              <a:buNone/>
+              <a:defRPr sz="2000" kern="1200">
+                <a:solidFill>
+                  <a:schemeClr val="tx1">
+                    <a:tint val="75000"/>
+                  </a:schemeClr>
+                </a:solidFill>
+                <a:latin typeface="+mn-lt"/>
+                <a:ea typeface="+mn-ea"/>
+                <a:cs typeface="+mn-cs"/>
+              </a:defRPr>
+            </a:lvl8pPr>
+            <a:lvl9pPr marL="3657600" indent="0" algn="ctr" defTabSz="914400" rtl="0" eaLnBrk="1" latinLnBrk="0" hangingPunct="1">
+              <a:spcBef>
+                <a:spcPct val="20000"/>
+              </a:spcBef>
+              <a:buFont typeface="Arial" pitchFamily="34" charset="0"/>
+              <a:buNone/>
+              <a:defRPr sz="2000" kern="1200">
+                <a:solidFill>
+                  <a:schemeClr val="tx1">
+                    <a:tint val="75000"/>
+                  </a:schemeClr>
+                </a:solidFill>
+                <a:latin typeface="+mn-lt"/>
+                <a:ea typeface="+mn-ea"/>
+                <a:cs typeface="+mn-cs"/>
+              </a:defRPr>
+            </a:lvl9pPr>
+          </a:lstStyle>
+          <a:p>
+            <a:pPr marL="342900" indent="-342900" algn="l">
+              <a:buClr>
+                <a:srgbClr val="0070C0"/>
+              </a:buClr>
+              <a:buSzPct val="80000"/>
+              <a:buFont typeface="Wingdings" pitchFamily="2" charset="2"/>
+              <a:buChar char="u"/>
+            </a:pPr>
+            <a:r>
+              <a:rPr lang="en-US" sz="1800" dirty="0">
+                <a:solidFill>
+                  <a:schemeClr val="tx1"/>
+                </a:solidFill>
+              </a:rPr>
+              <a:t>The a.exec() is to start it up and begin running the program. </a:t>
+            </a:r>
+          </a:p>
+          <a:p>
+            <a:pPr marL="342900" indent="-342900" algn="l">
+              <a:buClr>
+                <a:srgbClr val="0070C0"/>
+              </a:buClr>
+              <a:buSzPct val="80000"/>
+              <a:buFont typeface="Wingdings" pitchFamily="2" charset="2"/>
+              <a:buChar char="u"/>
+            </a:pPr>
+            <a:r>
+              <a:rPr lang="en-US" sz="1800" dirty="0">
+                <a:solidFill>
+                  <a:schemeClr val="tx1"/>
+                </a:solidFill>
+              </a:rPr>
+              <a:t>The a.exec() control the main event loop.</a:t>
+            </a:r>
+          </a:p>
+        </p:txBody>
+      </p:sp>
+    </p:spTree>
+    <p:extLst>
+      <p:ext uri="{BB962C8B-B14F-4D97-AF65-F5344CB8AC3E}">
+        <p14:creationId xmlns:p14="http://schemas.microsoft.com/office/powerpoint/2010/main" val="4119655940"/>
+      </p:ext>
+    </p:extLst>
+  </p:cSld>
+  <p:clrMapOvr>
+    <a:masterClrMapping/>
+  </p:clrMapOvr>
+</p:sld>
+</file>
+
+<file path=ppt/slides/slide7.xml><?xml version="1.0" encoding="utf-8"?>
+<p:sld xmlns:a="http://schemas.openxmlformats.org/drawingml/2006/main" xmlns:r="http://schemas.openxmlformats.org/officeDocument/2006/relationships" xmlns:p="http://schemas.openxmlformats.org/presentationml/2006/main">
+  <p:cSld>
+    <p:spTree>
+      <p:nvGrpSpPr>
+        <p:cNvPr id="1" name=""/>
+        <p:cNvGrpSpPr/>
+        <p:nvPr/>
+      </p:nvGrpSpPr>
+      <p:grpSpPr>
+        <a:xfrm>
+          <a:off x="0" y="0"/>
+          <a:ext cx="0" cy="0"/>
+          <a:chOff x="0" y="0"/>
+          <a:chExt cx="0" cy="0"/>
+        </a:xfrm>
+      </p:grpSpPr>
+      <p:pic>
+        <p:nvPicPr>
+          <p:cNvPr id="24" name="Picture 23">
+            <a:extLst>
+              <a:ext uri="{FF2B5EF4-FFF2-40B4-BE49-F238E27FC236}">
+                <a16:creationId xmlns:a16="http://schemas.microsoft.com/office/drawing/2014/main" id="{EB4C631F-EB79-087C-7003-47CE4F95C756}"/>
+              </a:ext>
+            </a:extLst>
+          </p:cNvPr>
+          <p:cNvPicPr>
+            <a:picLocks noChangeAspect="1"/>
+          </p:cNvPicPr>
+          <p:nvPr/>
+        </p:nvPicPr>
+        <p:blipFill>
+          <a:blip r:embed="rId2"/>
+          <a:stretch>
+            <a:fillRect/>
+          </a:stretch>
+        </p:blipFill>
+        <p:spPr>
+          <a:xfrm>
+            <a:off x="3746231" y="3429000"/>
+            <a:ext cx="5219700" cy="2724150"/>
+          </a:xfrm>
+          <a:prstGeom prst="rect">
+            <a:avLst/>
+          </a:prstGeom>
+          <a:ln>
+            <a:solidFill>
+              <a:srgbClr val="C00000"/>
+            </a:solidFill>
+          </a:ln>
+        </p:spPr>
+      </p:pic>
+      <p:sp>
+        <p:nvSpPr>
+          <p:cNvPr id="2" name="標題 1"/>
+          <p:cNvSpPr>
+            <a:spLocks noGrp="1"/>
+          </p:cNvSpPr>
+          <p:nvPr>
+            <p:ph type="ctrTitle"/>
+          </p:nvPr>
+        </p:nvSpPr>
+        <p:spPr>
+          <a:xfrm>
+            <a:off x="0" y="1"/>
+            <a:ext cx="9144000" cy="764704"/>
+          </a:xfrm>
+          <a:gradFill flip="none" rotWithShape="1">
+            <a:gsLst>
+              <a:gs pos="0">
+                <a:srgbClr val="C00000">
+                  <a:shade val="30000"/>
+                  <a:satMod val="115000"/>
+                </a:srgbClr>
+              </a:gs>
+              <a:gs pos="50000">
+                <a:srgbClr val="C00000">
+                  <a:shade val="67500"/>
+                  <a:satMod val="115000"/>
+                </a:srgbClr>
+              </a:gs>
+              <a:gs pos="100000">
+                <a:srgbClr val="C00000">
+                  <a:shade val="100000"/>
+                  <a:satMod val="115000"/>
+                </a:srgbClr>
+              </a:gs>
+            </a:gsLst>
+            <a:path path="circle">
+              <a:fillToRect t="100000" r="100000"/>
+            </a:path>
+            <a:tileRect l="-100000" b="-100000"/>
+          </a:gradFill>
+        </p:spPr>
+        <p:txBody>
+          <a:bodyPr>
+            <a:normAutofit/>
+          </a:bodyPr>
+          <a:lstStyle/>
+          <a:p>
+            <a:pPr algn="l"/>
+            <a:r>
+              <a:rPr lang="en-US" altLang="zh-TW" sz="4000" b="1" dirty="0">
+                <a:solidFill>
+                  <a:srgbClr val="FFFF00"/>
+                </a:solidFill>
+              </a:rPr>
+              <a:t>504.2 Create Basic Qt Application</a:t>
+            </a:r>
+            <a:endParaRPr lang="zh-TW" altLang="en-US" sz="4000" b="1" dirty="0">
+              <a:solidFill>
+                <a:srgbClr val="FFFF00"/>
+              </a:solidFill>
+            </a:endParaRPr>
+          </a:p>
+        </p:txBody>
+      </p:sp>
+      <p:sp>
+        <p:nvSpPr>
+          <p:cNvPr id="3" name="副標題 2"/>
+          <p:cNvSpPr>
+            <a:spLocks noGrp="1"/>
+          </p:cNvSpPr>
+          <p:nvPr>
+            <p:ph type="subTitle" idx="1"/>
+          </p:nvPr>
+        </p:nvSpPr>
+        <p:spPr>
+          <a:xfrm>
+            <a:off x="438024" y="1250428"/>
+            <a:ext cx="8454456" cy="1977404"/>
+          </a:xfrm>
+          <a:ln>
+            <a:solidFill>
+              <a:srgbClr val="C00000"/>
+            </a:solidFill>
+          </a:ln>
+        </p:spPr>
+        <p:txBody>
+          <a:bodyPr>
+            <a:noAutofit/>
+          </a:bodyPr>
+          <a:lstStyle/>
+          <a:p>
+            <a:pPr marL="342900" indent="-342900" algn="l">
+              <a:buClr>
+                <a:srgbClr val="0070C0"/>
+              </a:buClr>
+              <a:buSzPct val="80000"/>
+              <a:buFont typeface="Wingdings" pitchFamily="2" charset="2"/>
+              <a:buChar char="u"/>
+            </a:pPr>
+            <a:r>
+              <a:rPr lang="en-US" sz="1800" b="1" dirty="0">
+                <a:solidFill>
+                  <a:schemeClr val="tx1"/>
+                </a:solidFill>
+              </a:rPr>
+              <a:t>Create Basic Qt Application</a:t>
+            </a:r>
+          </a:p>
+          <a:p>
+            <a:pPr marL="342900" indent="-342900" algn="l">
+              <a:buClr>
+                <a:srgbClr val="0070C0"/>
+              </a:buClr>
+              <a:buSzPct val="80000"/>
+              <a:buFont typeface="Wingdings" pitchFamily="2" charset="2"/>
+              <a:buChar char="u"/>
+            </a:pPr>
+            <a:r>
+              <a:rPr lang="en-US" sz="1800" dirty="0">
+                <a:solidFill>
+                  <a:schemeClr val="tx1"/>
+                </a:solidFill>
+              </a:rPr>
+              <a:t>Very basic Qt Application is four lines (1, 2, 3, 4) below.</a:t>
+            </a:r>
+          </a:p>
+          <a:p>
+            <a:pPr marL="342900" indent="-342900" algn="l">
+              <a:buClr>
+                <a:srgbClr val="0070C0"/>
+              </a:buClr>
+              <a:buSzPct val="80000"/>
+              <a:buFont typeface="Wingdings" pitchFamily="2" charset="2"/>
+              <a:buChar char="u"/>
+            </a:pPr>
+            <a:r>
+              <a:rPr lang="en-US" sz="1800" dirty="0">
+                <a:solidFill>
+                  <a:schemeClr val="tx1"/>
+                </a:solidFill>
+              </a:rPr>
+              <a:t>We change “a (argc, argv)” into “prog (argc, argv)”.</a:t>
+            </a:r>
+          </a:p>
+          <a:p>
+            <a:pPr marL="342900" indent="-342900" algn="l">
+              <a:buClr>
+                <a:srgbClr val="0070C0"/>
+              </a:buClr>
+              <a:buSzPct val="80000"/>
+              <a:buFont typeface="Wingdings" pitchFamily="2" charset="2"/>
+              <a:buChar char="u"/>
+            </a:pPr>
+            <a:r>
+              <a:rPr lang="en-US" sz="1800" dirty="0">
+                <a:solidFill>
+                  <a:schemeClr val="tx1"/>
+                </a:solidFill>
+              </a:rPr>
+              <a:t>Object name is prog.</a:t>
+            </a:r>
+          </a:p>
+          <a:p>
+            <a:pPr marL="342900" indent="-342900" algn="l">
+              <a:buClr>
+                <a:srgbClr val="0070C0"/>
+              </a:buClr>
+              <a:buSzPct val="80000"/>
+              <a:buFont typeface="Wingdings" pitchFamily="2" charset="2"/>
+              <a:buChar char="u"/>
+            </a:pPr>
+            <a:r>
+              <a:rPr lang="en-US" sz="1800" dirty="0">
+                <a:solidFill>
+                  <a:schemeClr val="tx1"/>
+                </a:solidFill>
+              </a:rPr>
+              <a:t>2. Now the main() is the main function. The main() is the first function whenever our program starts running.</a:t>
+            </a:r>
+          </a:p>
+          <a:p>
+            <a:pPr marL="342900" indent="-342900" algn="l">
+              <a:buClr>
+                <a:srgbClr val="0070C0"/>
+              </a:buClr>
+              <a:buSzPct val="80000"/>
+              <a:buFont typeface="Wingdings" pitchFamily="2" charset="2"/>
+              <a:buChar char="u"/>
+            </a:pPr>
+            <a:endParaRPr lang="en-US" sz="1800" dirty="0">
+              <a:solidFill>
+                <a:schemeClr val="tx1"/>
+              </a:solidFill>
+            </a:endParaRPr>
+          </a:p>
+        </p:txBody>
+      </p:sp>
+      <p:sp>
+        <p:nvSpPr>
+          <p:cNvPr id="4" name="標題 1"/>
+          <p:cNvSpPr txBox="1">
+            <a:spLocks/>
+          </p:cNvSpPr>
+          <p:nvPr/>
+        </p:nvSpPr>
+        <p:spPr>
+          <a:xfrm>
+            <a:off x="0" y="764704"/>
+            <a:ext cx="9144000" cy="360040"/>
+          </a:xfrm>
+          <a:prstGeom prst="rect">
+            <a:avLst/>
+          </a:prstGeom>
+          <a:gradFill flip="none" rotWithShape="1">
+            <a:gsLst>
+              <a:gs pos="0">
+                <a:srgbClr val="00B0F0">
+                  <a:shade val="30000"/>
+                  <a:satMod val="115000"/>
+                </a:srgbClr>
+              </a:gs>
+              <a:gs pos="50000">
+                <a:srgbClr val="00B0F0">
+                  <a:shade val="67500"/>
+                  <a:satMod val="115000"/>
+                </a:srgbClr>
+              </a:gs>
+              <a:gs pos="100000">
+                <a:srgbClr val="00B0F0">
+                  <a:shade val="100000"/>
+                  <a:satMod val="115000"/>
+                </a:srgbClr>
+              </a:gs>
+            </a:gsLst>
+            <a:path path="circle">
+              <a:fillToRect t="100000" r="100000"/>
+            </a:path>
+            <a:tileRect l="-100000" b="-100000"/>
+          </a:gradFill>
+        </p:spPr>
+        <p:txBody>
+          <a:bodyPr vert="horz" lIns="91440" tIns="45720" rIns="91440" bIns="45720" rtlCol="0" anchor="ctr">
+            <a:normAutofit/>
+          </a:bodyPr>
+          <a:lstStyle/>
+          <a:p>
+            <a:pPr lvl="0">
+              <a:spcBef>
+                <a:spcPct val="0"/>
+              </a:spcBef>
+            </a:pPr>
+            <a:r>
+              <a:rPr lang="en-US" sz="1600" dirty="0"/>
+              <a:t>https://www.youtube.com/watch?v=HnuY7NhzLGM&amp;list=PLD0D54219E5F2544D&amp;index=4</a:t>
+            </a:r>
+            <a:endParaRPr kumimoji="0" lang="zh-TW" altLang="en-US" sz="1600" b="0" i="0" u="none" strike="noStrike" kern="1200" cap="none" spc="0" normalizeH="0" baseline="0" noProof="0" dirty="0">
+              <a:ln>
+                <a:noFill/>
+              </a:ln>
+              <a:solidFill>
+                <a:schemeClr val="tx1"/>
+              </a:solidFill>
+              <a:effectLst/>
+              <a:uLnTx/>
+              <a:uFillTx/>
+              <a:latin typeface="+mj-lt"/>
+              <a:ea typeface="+mj-ea"/>
+              <a:cs typeface="+mj-cs"/>
+            </a:endParaRPr>
+          </a:p>
+        </p:txBody>
+      </p:sp>
+      <p:sp>
+        <p:nvSpPr>
+          <p:cNvPr id="5" name="日期版面配置區 4"/>
+          <p:cNvSpPr>
+            <a:spLocks noGrp="1"/>
+          </p:cNvSpPr>
+          <p:nvPr>
+            <p:ph type="dt" sz="half" idx="10"/>
+          </p:nvPr>
+        </p:nvSpPr>
+        <p:spPr/>
+        <p:txBody>
+          <a:bodyPr/>
+          <a:lstStyle/>
+          <a:p>
+            <a:fld id="{A4F910E6-8D00-4BAF-8C48-9688E0B449D3}" type="datetime1">
+              <a:rPr lang="zh-TW" altLang="en-US" smtClean="0"/>
+              <a:pPr/>
+              <a:t>2022/10/31</a:t>
+            </a:fld>
+            <a:endParaRPr lang="zh-TW" altLang="en-US"/>
+          </a:p>
+        </p:txBody>
+      </p:sp>
+      <p:sp>
+        <p:nvSpPr>
+          <p:cNvPr id="6" name="投影片編號版面配置區 5"/>
+          <p:cNvSpPr>
+            <a:spLocks noGrp="1"/>
+          </p:cNvSpPr>
+          <p:nvPr>
+            <p:ph type="sldNum" sz="quarter" idx="12"/>
+          </p:nvPr>
+        </p:nvSpPr>
+        <p:spPr/>
+        <p:txBody>
+          <a:bodyPr/>
+          <a:lstStyle/>
+          <a:p>
+            <a:fld id="{E4D7E63D-91F2-4366-A2C4-1B00C9E2590E}" type="slidenum">
+              <a:rPr lang="zh-TW" altLang="en-US" smtClean="0"/>
+              <a:pPr/>
+              <a:t>7</a:t>
+            </a:fld>
+            <a:endParaRPr lang="zh-TW" altLang="en-US"/>
+          </a:p>
+        </p:txBody>
+      </p:sp>
+      <p:sp>
+        <p:nvSpPr>
+          <p:cNvPr id="14" name="Oval 13">
+            <a:extLst>
+              <a:ext uri="{FF2B5EF4-FFF2-40B4-BE49-F238E27FC236}">
+                <a16:creationId xmlns:a16="http://schemas.microsoft.com/office/drawing/2014/main" id="{ABB63CB5-6174-1F7B-C164-86F7AF2982BE}"/>
+              </a:ext>
+            </a:extLst>
+          </p:cNvPr>
+          <p:cNvSpPr/>
+          <p:nvPr/>
+        </p:nvSpPr>
+        <p:spPr>
+          <a:xfrm>
+            <a:off x="3619727" y="4093718"/>
+            <a:ext cx="253008" cy="236415"/>
+          </a:xfrm>
+          <a:prstGeom prst="ellipse">
+            <a:avLst/>
+          </a:prstGeom>
+          <a:solidFill>
+            <a:srgbClr val="FFFF00"/>
+          </a:solidFill>
+          <a:ln>
+            <a:solidFill>
+              <a:srgbClr val="C00000"/>
+            </a:solidFill>
+          </a:ln>
+        </p:spPr>
+        <p:style>
+          <a:lnRef idx="2">
+            <a:schemeClr val="accent1">
+              <a:shade val="50000"/>
+            </a:schemeClr>
+          </a:lnRef>
+          <a:fillRef idx="1">
+            <a:schemeClr val="accent1"/>
+          </a:fillRef>
+          <a:effectRef idx="0">
+            <a:schemeClr val="accent1"/>
+          </a:effectRef>
+          <a:fontRef idx="minor">
+            <a:schemeClr val="lt1"/>
+          </a:fontRef>
+        </p:style>
+        <p:txBody>
+          <a:bodyPr rtlCol="0" anchor="ctr"/>
+          <a:lstStyle/>
+          <a:p>
+            <a:pPr algn="ctr"/>
+            <a:r>
+              <a:rPr lang="en-US" sz="1000" dirty="0">
+                <a:solidFill>
+                  <a:schemeClr val="tx1"/>
+                </a:solidFill>
+              </a:rPr>
+              <a:t>1</a:t>
+            </a:r>
+          </a:p>
+        </p:txBody>
+      </p:sp>
+      <p:sp>
+        <p:nvSpPr>
+          <p:cNvPr id="15" name="Oval 14">
+            <a:extLst>
+              <a:ext uri="{FF2B5EF4-FFF2-40B4-BE49-F238E27FC236}">
+                <a16:creationId xmlns:a16="http://schemas.microsoft.com/office/drawing/2014/main" id="{CC240909-117D-A025-5AD4-0AB22C635D16}"/>
+              </a:ext>
+            </a:extLst>
+          </p:cNvPr>
+          <p:cNvSpPr/>
+          <p:nvPr/>
+        </p:nvSpPr>
+        <p:spPr>
+          <a:xfrm>
+            <a:off x="3619727" y="4505375"/>
+            <a:ext cx="253008" cy="247521"/>
+          </a:xfrm>
+          <a:prstGeom prst="ellipse">
+            <a:avLst/>
+          </a:prstGeom>
+          <a:solidFill>
+            <a:srgbClr val="FFFF00"/>
+          </a:solidFill>
+          <a:ln>
+            <a:solidFill>
+              <a:srgbClr val="C00000"/>
+            </a:solidFill>
+          </a:ln>
+        </p:spPr>
+        <p:style>
+          <a:lnRef idx="2">
+            <a:schemeClr val="accent1">
+              <a:shade val="50000"/>
+            </a:schemeClr>
+          </a:lnRef>
+          <a:fillRef idx="1">
+            <a:schemeClr val="accent1"/>
+          </a:fillRef>
+          <a:effectRef idx="0">
+            <a:schemeClr val="accent1"/>
+          </a:effectRef>
+          <a:fontRef idx="minor">
+            <a:schemeClr val="lt1"/>
+          </a:fontRef>
+        </p:style>
+        <p:txBody>
+          <a:bodyPr rtlCol="0" anchor="ctr"/>
+          <a:lstStyle/>
+          <a:p>
+            <a:pPr algn="ctr"/>
+            <a:r>
+              <a:rPr lang="en-US" sz="1000" dirty="0">
+                <a:solidFill>
+                  <a:schemeClr val="tx1"/>
+                </a:solidFill>
+              </a:rPr>
+              <a:t>2</a:t>
+            </a:r>
+          </a:p>
+        </p:txBody>
+      </p:sp>
+      <p:sp>
+        <p:nvSpPr>
+          <p:cNvPr id="17" name="Oval 16">
+            <a:extLst>
+              <a:ext uri="{FF2B5EF4-FFF2-40B4-BE49-F238E27FC236}">
+                <a16:creationId xmlns:a16="http://schemas.microsoft.com/office/drawing/2014/main" id="{50761546-0935-6EB4-FEED-5DB2D8893ED0}"/>
+              </a:ext>
+            </a:extLst>
+          </p:cNvPr>
+          <p:cNvSpPr/>
+          <p:nvPr/>
+        </p:nvSpPr>
+        <p:spPr>
+          <a:xfrm>
+            <a:off x="4020767" y="4752896"/>
+            <a:ext cx="253008" cy="247520"/>
+          </a:xfrm>
+          <a:prstGeom prst="ellipse">
+            <a:avLst/>
+          </a:prstGeom>
+          <a:solidFill>
+            <a:srgbClr val="FFFF00"/>
+          </a:solidFill>
+          <a:ln>
+            <a:solidFill>
+              <a:srgbClr val="C00000"/>
+            </a:solidFill>
+          </a:ln>
+        </p:spPr>
+        <p:style>
+          <a:lnRef idx="2">
+            <a:schemeClr val="accent1">
+              <a:shade val="50000"/>
+            </a:schemeClr>
+          </a:lnRef>
+          <a:fillRef idx="1">
+            <a:schemeClr val="accent1"/>
+          </a:fillRef>
+          <a:effectRef idx="0">
+            <a:schemeClr val="accent1"/>
+          </a:effectRef>
+          <a:fontRef idx="minor">
+            <a:schemeClr val="lt1"/>
+          </a:fontRef>
+        </p:style>
+        <p:txBody>
+          <a:bodyPr rtlCol="0" anchor="ctr"/>
+          <a:lstStyle/>
+          <a:p>
+            <a:pPr algn="ctr"/>
+            <a:r>
+              <a:rPr lang="en-US" sz="1000" dirty="0">
+                <a:solidFill>
+                  <a:schemeClr val="tx1"/>
+                </a:solidFill>
+              </a:rPr>
+              <a:t>3</a:t>
+            </a:r>
+          </a:p>
+        </p:txBody>
+      </p:sp>
+      <p:sp>
+        <p:nvSpPr>
+          <p:cNvPr id="18" name="Oval 17">
+            <a:extLst>
+              <a:ext uri="{FF2B5EF4-FFF2-40B4-BE49-F238E27FC236}">
+                <a16:creationId xmlns:a16="http://schemas.microsoft.com/office/drawing/2014/main" id="{EAD8F369-8774-B72B-DA55-7C4278E4AC3E}"/>
+              </a:ext>
+            </a:extLst>
+          </p:cNvPr>
+          <p:cNvSpPr/>
+          <p:nvPr/>
+        </p:nvSpPr>
+        <p:spPr>
+          <a:xfrm>
+            <a:off x="4020767" y="5499560"/>
+            <a:ext cx="253008" cy="216024"/>
+          </a:xfrm>
+          <a:prstGeom prst="ellipse">
+            <a:avLst/>
+          </a:prstGeom>
+          <a:solidFill>
+            <a:srgbClr val="FFFF00"/>
+          </a:solidFill>
+          <a:ln>
+            <a:solidFill>
+              <a:srgbClr val="C00000"/>
+            </a:solidFill>
+          </a:ln>
+        </p:spPr>
+        <p:style>
+          <a:lnRef idx="2">
+            <a:schemeClr val="accent1">
+              <a:shade val="50000"/>
+            </a:schemeClr>
+          </a:lnRef>
+          <a:fillRef idx="1">
+            <a:schemeClr val="accent1"/>
+          </a:fillRef>
+          <a:effectRef idx="0">
+            <a:schemeClr val="accent1"/>
+          </a:effectRef>
+          <a:fontRef idx="minor">
+            <a:schemeClr val="lt1"/>
+          </a:fontRef>
+        </p:style>
+        <p:txBody>
+          <a:bodyPr rtlCol="0" anchor="ctr"/>
+          <a:lstStyle/>
+          <a:p>
+            <a:pPr algn="ctr"/>
+            <a:r>
+              <a:rPr lang="en-US" sz="1000" dirty="0">
+                <a:solidFill>
+                  <a:schemeClr val="tx1"/>
+                </a:solidFill>
+              </a:rPr>
+              <a:t>4</a:t>
+            </a:r>
+          </a:p>
+        </p:txBody>
+      </p:sp>
+    </p:spTree>
+    <p:extLst>
+      <p:ext uri="{BB962C8B-B14F-4D97-AF65-F5344CB8AC3E}">
+        <p14:creationId xmlns:p14="http://schemas.microsoft.com/office/powerpoint/2010/main" val="3839817541"/>
+      </p:ext>
+    </p:extLst>
+  </p:cSld>
+  <p:clrMapOvr>
+    <a:masterClrMapping/>
+  </p:clrMapOvr>
+</p:sld>
+</file>
+
+<file path=ppt/slides/slide8.xml><?xml version="1.0" encoding="utf-8"?>
+<p:sld xmlns:a="http://schemas.openxmlformats.org/drawingml/2006/main" xmlns:r="http://schemas.openxmlformats.org/officeDocument/2006/relationships" xmlns:p="http://schemas.openxmlformats.org/presentationml/2006/main">
+  <p:cSld>
+    <p:spTree>
+      <p:nvGrpSpPr>
+        <p:cNvPr id="1" name=""/>
+        <p:cNvGrpSpPr/>
+        <p:nvPr/>
+      </p:nvGrpSpPr>
+      <p:grpSpPr>
+        <a:xfrm>
+          <a:off x="0" y="0"/>
+          <a:ext cx="0" cy="0"/>
+          <a:chOff x="0" y="0"/>
+          <a:chExt cx="0" cy="0"/>
+        </a:xfrm>
+      </p:grpSpPr>
+      <p:pic>
+        <p:nvPicPr>
+          <p:cNvPr id="24" name="Picture 23">
+            <a:extLst>
+              <a:ext uri="{FF2B5EF4-FFF2-40B4-BE49-F238E27FC236}">
+                <a16:creationId xmlns:a16="http://schemas.microsoft.com/office/drawing/2014/main" id="{EB4C631F-EB79-087C-7003-47CE4F95C756}"/>
+              </a:ext>
+            </a:extLst>
+          </p:cNvPr>
+          <p:cNvPicPr>
+            <a:picLocks noChangeAspect="1"/>
+          </p:cNvPicPr>
+          <p:nvPr/>
+        </p:nvPicPr>
+        <p:blipFill>
+          <a:blip r:embed="rId2"/>
+          <a:stretch>
+            <a:fillRect/>
+          </a:stretch>
+        </p:blipFill>
+        <p:spPr>
+          <a:xfrm>
+            <a:off x="3746231" y="3429000"/>
+            <a:ext cx="5219700" cy="2724150"/>
+          </a:xfrm>
+          <a:prstGeom prst="rect">
+            <a:avLst/>
+          </a:prstGeom>
+          <a:ln>
+            <a:solidFill>
+              <a:srgbClr val="C00000"/>
+            </a:solidFill>
+          </a:ln>
+        </p:spPr>
+      </p:pic>
+      <p:sp>
+        <p:nvSpPr>
+          <p:cNvPr id="2" name="標題 1"/>
+          <p:cNvSpPr>
+            <a:spLocks noGrp="1"/>
+          </p:cNvSpPr>
+          <p:nvPr>
+            <p:ph type="ctrTitle"/>
+          </p:nvPr>
+        </p:nvSpPr>
+        <p:spPr>
+          <a:xfrm>
+            <a:off x="0" y="1"/>
+            <a:ext cx="9144000" cy="764704"/>
+          </a:xfrm>
+          <a:gradFill flip="none" rotWithShape="1">
+            <a:gsLst>
+              <a:gs pos="0">
+                <a:srgbClr val="C00000">
+                  <a:shade val="30000"/>
+                  <a:satMod val="115000"/>
+                </a:srgbClr>
+              </a:gs>
+              <a:gs pos="50000">
+                <a:srgbClr val="C00000">
+                  <a:shade val="67500"/>
+                  <a:satMod val="115000"/>
+                </a:srgbClr>
+              </a:gs>
+              <a:gs pos="100000">
+                <a:srgbClr val="C00000">
+                  <a:shade val="100000"/>
+                  <a:satMod val="115000"/>
+                </a:srgbClr>
+              </a:gs>
+            </a:gsLst>
+            <a:path path="circle">
+              <a:fillToRect t="100000" r="100000"/>
+            </a:path>
+            <a:tileRect l="-100000" b="-100000"/>
+          </a:gradFill>
+        </p:spPr>
+        <p:txBody>
+          <a:bodyPr>
+            <a:normAutofit/>
+          </a:bodyPr>
+          <a:lstStyle/>
+          <a:p>
+            <a:pPr algn="l"/>
+            <a:r>
+              <a:rPr lang="en-US" altLang="zh-TW" sz="4000" b="1" dirty="0">
+                <a:solidFill>
+                  <a:srgbClr val="FFFF00"/>
+                </a:solidFill>
+              </a:rPr>
+              <a:t>504.2 Create Basic Qt Application</a:t>
+            </a:r>
+            <a:endParaRPr lang="zh-TW" altLang="en-US" sz="4000" b="1" dirty="0">
+              <a:solidFill>
+                <a:srgbClr val="FFFF00"/>
+              </a:solidFill>
+            </a:endParaRPr>
+          </a:p>
+        </p:txBody>
+      </p:sp>
+      <p:sp>
+        <p:nvSpPr>
+          <p:cNvPr id="3" name="副標題 2"/>
+          <p:cNvSpPr>
+            <a:spLocks noGrp="1"/>
+          </p:cNvSpPr>
+          <p:nvPr>
+            <p:ph type="subTitle" idx="1"/>
+          </p:nvPr>
+        </p:nvSpPr>
+        <p:spPr>
+          <a:xfrm>
+            <a:off x="438024" y="1250428"/>
+            <a:ext cx="8454456" cy="2250580"/>
+          </a:xfrm>
+          <a:ln>
+            <a:solidFill>
+              <a:srgbClr val="C00000"/>
+            </a:solidFill>
+          </a:ln>
+        </p:spPr>
+        <p:txBody>
+          <a:bodyPr>
+            <a:noAutofit/>
+          </a:bodyPr>
+          <a:lstStyle/>
+          <a:p>
+            <a:pPr marL="342900" indent="-342900" algn="l">
+              <a:buClr>
+                <a:srgbClr val="0070C0"/>
+              </a:buClr>
+              <a:buSzPct val="80000"/>
+              <a:buFont typeface="Wingdings" pitchFamily="2" charset="2"/>
+              <a:buChar char="u"/>
+            </a:pPr>
+            <a:r>
+              <a:rPr lang="en-US" sz="1800" b="1" dirty="0">
+                <a:solidFill>
+                  <a:schemeClr val="tx1"/>
+                </a:solidFill>
+              </a:rPr>
+              <a:t>Create Basic Qt Application</a:t>
+            </a:r>
+          </a:p>
+          <a:p>
+            <a:pPr marL="342900" indent="-342900" algn="l">
+              <a:buClr>
+                <a:srgbClr val="0070C0"/>
+              </a:buClr>
+              <a:buSzPct val="80000"/>
+              <a:buFont typeface="Wingdings" pitchFamily="2" charset="2"/>
+              <a:buChar char="u"/>
+            </a:pPr>
+            <a:r>
+              <a:rPr lang="en-US" sz="1800" dirty="0">
+                <a:solidFill>
+                  <a:schemeClr val="tx1"/>
+                </a:solidFill>
+              </a:rPr>
+              <a:t>We change “a (argc, argv)” into “prog (argc, argv)”.</a:t>
+            </a:r>
+          </a:p>
+          <a:p>
+            <a:pPr marL="342900" indent="-342900" algn="l">
+              <a:buClr>
+                <a:srgbClr val="0070C0"/>
+              </a:buClr>
+              <a:buSzPct val="80000"/>
+              <a:buFont typeface="Wingdings" pitchFamily="2" charset="2"/>
+              <a:buChar char="u"/>
+            </a:pPr>
+            <a:r>
+              <a:rPr lang="en-US" sz="1800" dirty="0">
+                <a:solidFill>
+                  <a:schemeClr val="tx1"/>
+                </a:solidFill>
+              </a:rPr>
+              <a:t>Object name is prog.</a:t>
+            </a:r>
+          </a:p>
+          <a:p>
+            <a:pPr marL="342900" indent="-342900" algn="l">
+              <a:buClr>
+                <a:srgbClr val="0070C0"/>
+              </a:buClr>
+              <a:buSzPct val="80000"/>
+              <a:buFont typeface="Wingdings" pitchFamily="2" charset="2"/>
+              <a:buChar char="u"/>
+            </a:pPr>
+            <a:r>
+              <a:rPr lang="en-US" sz="1800" dirty="0">
+                <a:solidFill>
+                  <a:schemeClr val="tx1"/>
+                </a:solidFill>
+              </a:rPr>
+              <a:t>2. Now the main() is the main function. The main() is the first function whenever our program starts running.</a:t>
+            </a:r>
+          </a:p>
+          <a:p>
+            <a:pPr marL="342900" indent="-342900" algn="l">
+              <a:buClr>
+                <a:srgbClr val="0070C0"/>
+              </a:buClr>
+              <a:buSzPct val="80000"/>
+              <a:buFont typeface="Wingdings" pitchFamily="2" charset="2"/>
+              <a:buChar char="u"/>
+            </a:pPr>
+            <a:r>
+              <a:rPr lang="en-US" sz="1800" dirty="0">
+                <a:solidFill>
+                  <a:schemeClr val="tx1"/>
+                </a:solidFill>
+              </a:rPr>
+              <a:t>3. “QApplication prog (argc, argv)” creates the main object that control our main program.</a:t>
+            </a:r>
+          </a:p>
+          <a:p>
+            <a:pPr marL="342900" indent="-342900" algn="l">
+              <a:buClr>
+                <a:srgbClr val="0070C0"/>
+              </a:buClr>
+              <a:buSzPct val="80000"/>
+              <a:buFont typeface="Wingdings" pitchFamily="2" charset="2"/>
+              <a:buChar char="u"/>
+            </a:pPr>
+            <a:endParaRPr lang="en-US" sz="1800" dirty="0">
+              <a:solidFill>
+                <a:schemeClr val="tx1"/>
+              </a:solidFill>
+            </a:endParaRPr>
+          </a:p>
+        </p:txBody>
+      </p:sp>
+      <p:sp>
+        <p:nvSpPr>
+          <p:cNvPr id="4" name="標題 1"/>
+          <p:cNvSpPr txBox="1">
+            <a:spLocks/>
+          </p:cNvSpPr>
+          <p:nvPr/>
+        </p:nvSpPr>
+        <p:spPr>
+          <a:xfrm>
+            <a:off x="0" y="764704"/>
+            <a:ext cx="9144000" cy="360040"/>
+          </a:xfrm>
+          <a:prstGeom prst="rect">
+            <a:avLst/>
+          </a:prstGeom>
+          <a:gradFill flip="none" rotWithShape="1">
+            <a:gsLst>
+              <a:gs pos="0">
+                <a:srgbClr val="00B0F0">
+                  <a:shade val="30000"/>
+                  <a:satMod val="115000"/>
+                </a:srgbClr>
+              </a:gs>
+              <a:gs pos="50000">
+                <a:srgbClr val="00B0F0">
+                  <a:shade val="67500"/>
+                  <a:satMod val="115000"/>
+                </a:srgbClr>
+              </a:gs>
+              <a:gs pos="100000">
+                <a:srgbClr val="00B0F0">
+                  <a:shade val="100000"/>
+                  <a:satMod val="115000"/>
+                </a:srgbClr>
+              </a:gs>
+            </a:gsLst>
+            <a:path path="circle">
+              <a:fillToRect t="100000" r="100000"/>
+            </a:path>
+            <a:tileRect l="-100000" b="-100000"/>
+          </a:gradFill>
+        </p:spPr>
+        <p:txBody>
+          <a:bodyPr vert="horz" lIns="91440" tIns="45720" rIns="91440" bIns="45720" rtlCol="0" anchor="ctr">
+            <a:normAutofit/>
+          </a:bodyPr>
+          <a:lstStyle/>
+          <a:p>
+            <a:pPr lvl="0">
+              <a:spcBef>
+                <a:spcPct val="0"/>
+              </a:spcBef>
+            </a:pPr>
+            <a:r>
+              <a:rPr lang="en-US" sz="1600" dirty="0"/>
+              <a:t>https://www.youtube.com/watch?v=HnuY7NhzLGM&amp;list=PLD0D54219E5F2544D&amp;index=4</a:t>
+            </a:r>
+            <a:endParaRPr kumimoji="0" lang="zh-TW" altLang="en-US" sz="1600" b="0" i="0" u="none" strike="noStrike" kern="1200" cap="none" spc="0" normalizeH="0" baseline="0" noProof="0" dirty="0">
+              <a:ln>
+                <a:noFill/>
+              </a:ln>
+              <a:solidFill>
+                <a:schemeClr val="tx1"/>
+              </a:solidFill>
+              <a:effectLst/>
+              <a:uLnTx/>
+              <a:uFillTx/>
+              <a:latin typeface="+mj-lt"/>
+              <a:ea typeface="+mj-ea"/>
+              <a:cs typeface="+mj-cs"/>
+            </a:endParaRPr>
+          </a:p>
+        </p:txBody>
+      </p:sp>
+      <p:sp>
+        <p:nvSpPr>
+          <p:cNvPr id="5" name="日期版面配置區 4"/>
+          <p:cNvSpPr>
+            <a:spLocks noGrp="1"/>
+          </p:cNvSpPr>
+          <p:nvPr>
+            <p:ph type="dt" sz="half" idx="10"/>
+          </p:nvPr>
+        </p:nvSpPr>
+        <p:spPr/>
+        <p:txBody>
+          <a:bodyPr/>
+          <a:lstStyle/>
+          <a:p>
+            <a:fld id="{A4F910E6-8D00-4BAF-8C48-9688E0B449D3}" type="datetime1">
+              <a:rPr lang="zh-TW" altLang="en-US" smtClean="0"/>
+              <a:pPr/>
+              <a:t>2022/10/31</a:t>
+            </a:fld>
+            <a:endParaRPr lang="zh-TW" altLang="en-US"/>
+          </a:p>
+        </p:txBody>
+      </p:sp>
+      <p:sp>
+        <p:nvSpPr>
+          <p:cNvPr id="6" name="投影片編號版面配置區 5"/>
+          <p:cNvSpPr>
+            <a:spLocks noGrp="1"/>
+          </p:cNvSpPr>
+          <p:nvPr>
+            <p:ph type="sldNum" sz="quarter" idx="12"/>
+          </p:nvPr>
+        </p:nvSpPr>
+        <p:spPr/>
+        <p:txBody>
+          <a:bodyPr/>
+          <a:lstStyle/>
+          <a:p>
+            <a:fld id="{E4D7E63D-91F2-4366-A2C4-1B00C9E2590E}" type="slidenum">
+              <a:rPr lang="zh-TW" altLang="en-US" smtClean="0"/>
+              <a:pPr/>
+              <a:t>8</a:t>
+            </a:fld>
+            <a:endParaRPr lang="zh-TW" altLang="en-US"/>
+          </a:p>
+        </p:txBody>
+      </p:sp>
+      <p:sp>
+        <p:nvSpPr>
+          <p:cNvPr id="14" name="Oval 13">
+            <a:extLst>
+              <a:ext uri="{FF2B5EF4-FFF2-40B4-BE49-F238E27FC236}">
+                <a16:creationId xmlns:a16="http://schemas.microsoft.com/office/drawing/2014/main" id="{ABB63CB5-6174-1F7B-C164-86F7AF2982BE}"/>
+              </a:ext>
+            </a:extLst>
+          </p:cNvPr>
+          <p:cNvSpPr/>
+          <p:nvPr/>
+        </p:nvSpPr>
+        <p:spPr>
+          <a:xfrm>
+            <a:off x="3619727" y="4093718"/>
+            <a:ext cx="253008" cy="236415"/>
+          </a:xfrm>
+          <a:prstGeom prst="ellipse">
+            <a:avLst/>
+          </a:prstGeom>
+          <a:solidFill>
+            <a:srgbClr val="FFFF00"/>
+          </a:solidFill>
+          <a:ln>
+            <a:solidFill>
+              <a:srgbClr val="C00000"/>
+            </a:solidFill>
+          </a:ln>
+        </p:spPr>
+        <p:style>
+          <a:lnRef idx="2">
+            <a:schemeClr val="accent1">
+              <a:shade val="50000"/>
+            </a:schemeClr>
+          </a:lnRef>
+          <a:fillRef idx="1">
+            <a:schemeClr val="accent1"/>
+          </a:fillRef>
+          <a:effectRef idx="0">
+            <a:schemeClr val="accent1"/>
+          </a:effectRef>
+          <a:fontRef idx="minor">
+            <a:schemeClr val="lt1"/>
+          </a:fontRef>
+        </p:style>
+        <p:txBody>
+          <a:bodyPr rtlCol="0" anchor="ctr"/>
+          <a:lstStyle/>
+          <a:p>
+            <a:pPr algn="ctr"/>
+            <a:r>
+              <a:rPr lang="en-US" sz="1000" dirty="0">
+                <a:solidFill>
+                  <a:schemeClr val="tx1"/>
+                </a:solidFill>
+              </a:rPr>
+              <a:t>1</a:t>
+            </a:r>
+          </a:p>
+        </p:txBody>
+      </p:sp>
+      <p:sp>
+        <p:nvSpPr>
+          <p:cNvPr id="15" name="Oval 14">
+            <a:extLst>
+              <a:ext uri="{FF2B5EF4-FFF2-40B4-BE49-F238E27FC236}">
+                <a16:creationId xmlns:a16="http://schemas.microsoft.com/office/drawing/2014/main" id="{CC240909-117D-A025-5AD4-0AB22C635D16}"/>
+              </a:ext>
+            </a:extLst>
+          </p:cNvPr>
+          <p:cNvSpPr/>
+          <p:nvPr/>
+        </p:nvSpPr>
+        <p:spPr>
+          <a:xfrm>
+            <a:off x="3619727" y="4505375"/>
+            <a:ext cx="253008" cy="247521"/>
+          </a:xfrm>
+          <a:prstGeom prst="ellipse">
+            <a:avLst/>
+          </a:prstGeom>
+          <a:solidFill>
+            <a:srgbClr val="FFFF00"/>
+          </a:solidFill>
+          <a:ln>
+            <a:solidFill>
+              <a:srgbClr val="C00000"/>
+            </a:solidFill>
+          </a:ln>
+        </p:spPr>
+        <p:style>
+          <a:lnRef idx="2">
+            <a:schemeClr val="accent1">
+              <a:shade val="50000"/>
+            </a:schemeClr>
+          </a:lnRef>
+          <a:fillRef idx="1">
+            <a:schemeClr val="accent1"/>
+          </a:fillRef>
+          <a:effectRef idx="0">
+            <a:schemeClr val="accent1"/>
+          </a:effectRef>
+          <a:fontRef idx="minor">
+            <a:schemeClr val="lt1"/>
+          </a:fontRef>
+        </p:style>
+        <p:txBody>
+          <a:bodyPr rtlCol="0" anchor="ctr"/>
+          <a:lstStyle/>
+          <a:p>
+            <a:pPr algn="ctr"/>
+            <a:r>
+              <a:rPr lang="en-US" sz="1000" dirty="0">
+                <a:solidFill>
+                  <a:schemeClr val="tx1"/>
+                </a:solidFill>
+              </a:rPr>
+              <a:t>2</a:t>
+            </a:r>
+          </a:p>
+        </p:txBody>
+      </p:sp>
+      <p:sp>
+        <p:nvSpPr>
+          <p:cNvPr id="17" name="Oval 16">
+            <a:extLst>
+              <a:ext uri="{FF2B5EF4-FFF2-40B4-BE49-F238E27FC236}">
+                <a16:creationId xmlns:a16="http://schemas.microsoft.com/office/drawing/2014/main" id="{50761546-0935-6EB4-FEED-5DB2D8893ED0}"/>
+              </a:ext>
+            </a:extLst>
+          </p:cNvPr>
+          <p:cNvSpPr/>
+          <p:nvPr/>
+        </p:nvSpPr>
+        <p:spPr>
+          <a:xfrm>
+            <a:off x="4020767" y="4752896"/>
+            <a:ext cx="253008" cy="247520"/>
+          </a:xfrm>
+          <a:prstGeom prst="ellipse">
+            <a:avLst/>
+          </a:prstGeom>
+          <a:solidFill>
+            <a:srgbClr val="FFFF00"/>
+          </a:solidFill>
+          <a:ln>
+            <a:solidFill>
+              <a:srgbClr val="C00000"/>
+            </a:solidFill>
+          </a:ln>
+        </p:spPr>
+        <p:style>
+          <a:lnRef idx="2">
+            <a:schemeClr val="accent1">
+              <a:shade val="50000"/>
+            </a:schemeClr>
+          </a:lnRef>
+          <a:fillRef idx="1">
+            <a:schemeClr val="accent1"/>
+          </a:fillRef>
+          <a:effectRef idx="0">
+            <a:schemeClr val="accent1"/>
+          </a:effectRef>
+          <a:fontRef idx="minor">
+            <a:schemeClr val="lt1"/>
+          </a:fontRef>
+        </p:style>
+        <p:txBody>
+          <a:bodyPr rtlCol="0" anchor="ctr"/>
+          <a:lstStyle/>
+          <a:p>
+            <a:pPr algn="ctr"/>
+            <a:r>
+              <a:rPr lang="en-US" sz="1000" dirty="0">
+                <a:solidFill>
+                  <a:schemeClr val="tx1"/>
+                </a:solidFill>
+              </a:rPr>
+              <a:t>3</a:t>
+            </a:r>
+          </a:p>
+        </p:txBody>
+      </p:sp>
+      <p:sp>
+        <p:nvSpPr>
+          <p:cNvPr id="18" name="Oval 17">
+            <a:extLst>
+              <a:ext uri="{FF2B5EF4-FFF2-40B4-BE49-F238E27FC236}">
+                <a16:creationId xmlns:a16="http://schemas.microsoft.com/office/drawing/2014/main" id="{EAD8F369-8774-B72B-DA55-7C4278E4AC3E}"/>
+              </a:ext>
+            </a:extLst>
+          </p:cNvPr>
+          <p:cNvSpPr/>
+          <p:nvPr/>
+        </p:nvSpPr>
+        <p:spPr>
+          <a:xfrm>
+            <a:off x="4020767" y="5499560"/>
+            <a:ext cx="253008" cy="216024"/>
+          </a:xfrm>
+          <a:prstGeom prst="ellipse">
+            <a:avLst/>
+          </a:prstGeom>
+          <a:solidFill>
+            <a:srgbClr val="FFFF00"/>
+          </a:solidFill>
+          <a:ln>
+            <a:solidFill>
+              <a:srgbClr val="C00000"/>
+            </a:solidFill>
+          </a:ln>
+        </p:spPr>
+        <p:style>
+          <a:lnRef idx="2">
+            <a:schemeClr val="accent1">
+              <a:shade val="50000"/>
+            </a:schemeClr>
+          </a:lnRef>
+          <a:fillRef idx="1">
+            <a:schemeClr val="accent1"/>
+          </a:fillRef>
+          <a:effectRef idx="0">
+            <a:schemeClr val="accent1"/>
+          </a:effectRef>
+          <a:fontRef idx="minor">
+            <a:schemeClr val="lt1"/>
+          </a:fontRef>
+        </p:style>
+        <p:txBody>
+          <a:bodyPr rtlCol="0" anchor="ctr"/>
+          <a:lstStyle/>
+          <a:p>
+            <a:pPr algn="ctr"/>
+            <a:r>
+              <a:rPr lang="en-US" sz="1000" dirty="0">
+                <a:solidFill>
+                  <a:schemeClr val="tx1"/>
+                </a:solidFill>
+              </a:rPr>
+              <a:t>4</a:t>
+            </a:r>
+          </a:p>
+        </p:txBody>
+      </p:sp>
+    </p:spTree>
+    <p:extLst>
+      <p:ext uri="{BB962C8B-B14F-4D97-AF65-F5344CB8AC3E}">
+        <p14:creationId xmlns:p14="http://schemas.microsoft.com/office/powerpoint/2010/main" val="2040433651"/>
+      </p:ext>
+    </p:extLst>
+  </p:cSld>
+  <p:clrMapOvr>
+    <a:masterClrMapping/>
+  </p:clrMapOvr>
+</p:sld>
+</file>
+
+<file path=ppt/slides/slide9.xml><?xml version="1.0" encoding="utf-8"?>
+<p:sld xmlns:a="http://schemas.openxmlformats.org/drawingml/2006/main" xmlns:r="http://schemas.openxmlformats.org/officeDocument/2006/relationships" xmlns:p="http://schemas.openxmlformats.org/presentationml/2006/main">
+  <p:cSld>
+    <p:spTree>
+      <p:nvGrpSpPr>
+        <p:cNvPr id="1" name=""/>
+        <p:cNvGrpSpPr/>
+        <p:nvPr/>
+      </p:nvGrpSpPr>
+      <p:grpSpPr>
+        <a:xfrm>
+          <a:off x="0" y="0"/>
+          <a:ext cx="0" cy="0"/>
+          <a:chOff x="0" y="0"/>
+          <a:chExt cx="0" cy="0"/>
+        </a:xfrm>
+      </p:grpSpPr>
+      <p:pic>
+        <p:nvPicPr>
+          <p:cNvPr id="24" name="Picture 23">
+            <a:extLst>
+              <a:ext uri="{FF2B5EF4-FFF2-40B4-BE49-F238E27FC236}">
+                <a16:creationId xmlns:a16="http://schemas.microsoft.com/office/drawing/2014/main" id="{EB4C631F-EB79-087C-7003-47CE4F95C756}"/>
+              </a:ext>
+            </a:extLst>
+          </p:cNvPr>
+          <p:cNvPicPr>
+            <a:picLocks noChangeAspect="1"/>
+          </p:cNvPicPr>
+          <p:nvPr/>
+        </p:nvPicPr>
+        <p:blipFill>
+          <a:blip r:embed="rId2"/>
+          <a:stretch>
+            <a:fillRect/>
+          </a:stretch>
+        </p:blipFill>
+        <p:spPr>
+          <a:xfrm>
+            <a:off x="3746231" y="3429000"/>
+            <a:ext cx="5219700" cy="2724150"/>
+          </a:xfrm>
+          <a:prstGeom prst="rect">
+            <a:avLst/>
+          </a:prstGeom>
+          <a:ln>
+            <a:solidFill>
+              <a:srgbClr val="C00000"/>
+            </a:solidFill>
+          </a:ln>
+        </p:spPr>
+      </p:pic>
+      <p:sp>
+        <p:nvSpPr>
+          <p:cNvPr id="2" name="標題 1"/>
+          <p:cNvSpPr>
+            <a:spLocks noGrp="1"/>
+          </p:cNvSpPr>
+          <p:nvPr>
+            <p:ph type="ctrTitle"/>
+          </p:nvPr>
+        </p:nvSpPr>
+        <p:spPr>
+          <a:xfrm>
+            <a:off x="0" y="1"/>
+            <a:ext cx="9144000" cy="764704"/>
+          </a:xfrm>
+          <a:gradFill flip="none" rotWithShape="1">
+            <a:gsLst>
+              <a:gs pos="0">
+                <a:srgbClr val="C00000">
+                  <a:shade val="30000"/>
+                  <a:satMod val="115000"/>
+                </a:srgbClr>
+              </a:gs>
+              <a:gs pos="50000">
+                <a:srgbClr val="C00000">
+                  <a:shade val="67500"/>
+                  <a:satMod val="115000"/>
+                </a:srgbClr>
+              </a:gs>
+              <a:gs pos="100000">
+                <a:srgbClr val="C00000">
+                  <a:shade val="100000"/>
+                  <a:satMod val="115000"/>
+                </a:srgbClr>
+              </a:gs>
+            </a:gsLst>
+            <a:path path="circle">
+              <a:fillToRect t="100000" r="100000"/>
+            </a:path>
+            <a:tileRect l="-100000" b="-100000"/>
+          </a:gradFill>
+        </p:spPr>
+        <p:txBody>
+          <a:bodyPr>
+            <a:normAutofit/>
+          </a:bodyPr>
+          <a:lstStyle/>
+          <a:p>
+            <a:pPr algn="l"/>
+            <a:r>
+              <a:rPr lang="en-US" altLang="zh-TW" sz="4000" b="1" dirty="0">
+                <a:solidFill>
+                  <a:srgbClr val="FFFF00"/>
+                </a:solidFill>
+              </a:rPr>
+              <a:t>504.2 Create Basic Qt Application</a:t>
+            </a:r>
+            <a:endParaRPr lang="zh-TW" altLang="en-US" sz="4000" b="1" dirty="0">
+              <a:solidFill>
+                <a:srgbClr val="FFFF00"/>
+              </a:solidFill>
+            </a:endParaRPr>
+          </a:p>
+        </p:txBody>
+      </p:sp>
+      <p:sp>
+        <p:nvSpPr>
+          <p:cNvPr id="3" name="副標題 2"/>
+          <p:cNvSpPr>
+            <a:spLocks noGrp="1"/>
+          </p:cNvSpPr>
+          <p:nvPr>
+            <p:ph type="subTitle" idx="1"/>
+          </p:nvPr>
+        </p:nvSpPr>
+        <p:spPr>
+          <a:xfrm>
+            <a:off x="438024" y="1250428"/>
+            <a:ext cx="8454456" cy="2250580"/>
+          </a:xfrm>
+          <a:ln>
+            <a:solidFill>
+              <a:srgbClr val="C00000"/>
+            </a:solidFill>
+          </a:ln>
+        </p:spPr>
+        <p:txBody>
+          <a:bodyPr>
+            <a:noAutofit/>
+          </a:bodyPr>
+          <a:lstStyle/>
+          <a:p>
+            <a:pPr marL="342900" indent="-342900" algn="l">
+              <a:buClr>
+                <a:srgbClr val="0070C0"/>
+              </a:buClr>
+              <a:buSzPct val="80000"/>
+              <a:buFont typeface="Wingdings" pitchFamily="2" charset="2"/>
+              <a:buChar char="u"/>
+            </a:pPr>
+            <a:r>
+              <a:rPr lang="en-US" sz="1800" b="1" dirty="0">
+                <a:solidFill>
+                  <a:schemeClr val="tx1"/>
+                </a:solidFill>
+              </a:rPr>
+              <a:t>Create Basic Qt Application</a:t>
+            </a:r>
+          </a:p>
+          <a:p>
+            <a:pPr marL="342900" indent="-342900" algn="l">
+              <a:buClr>
+                <a:srgbClr val="0070C0"/>
+              </a:buClr>
+              <a:buSzPct val="80000"/>
+              <a:buFont typeface="Wingdings" pitchFamily="2" charset="2"/>
+              <a:buChar char="u"/>
+            </a:pPr>
+            <a:r>
+              <a:rPr lang="en-US" sz="1800" dirty="0">
+                <a:solidFill>
+                  <a:schemeClr val="tx1"/>
+                </a:solidFill>
+              </a:rPr>
+              <a:t>4. prog.exec () return the program execute. The prog.exec() starts running our program. </a:t>
+            </a:r>
+          </a:p>
+          <a:p>
+            <a:pPr marL="342900" indent="-342900" algn="l">
+              <a:buClr>
+                <a:srgbClr val="0070C0"/>
+              </a:buClr>
+              <a:buSzPct val="80000"/>
+              <a:buFont typeface="Wingdings" pitchFamily="2" charset="2"/>
+              <a:buChar char="u"/>
+            </a:pPr>
+            <a:r>
+              <a:rPr lang="en-US" sz="1800" dirty="0">
+                <a:solidFill>
+                  <a:schemeClr val="tx1"/>
+                </a:solidFill>
+              </a:rPr>
+              <a:t>Now, once it is done running. It exits the main event loop. It returns 0.</a:t>
+            </a:r>
+          </a:p>
+          <a:p>
+            <a:pPr marL="342900" indent="-342900" algn="l">
+              <a:buClr>
+                <a:srgbClr val="0070C0"/>
+              </a:buClr>
+              <a:buSzPct val="80000"/>
+              <a:buFont typeface="Wingdings" pitchFamily="2" charset="2"/>
+              <a:buChar char="u"/>
+            </a:pPr>
+            <a:r>
+              <a:rPr lang="en-US" sz="1800" dirty="0">
+                <a:solidFill>
+                  <a:schemeClr val="tx1"/>
+                </a:solidFill>
+              </a:rPr>
+              <a:t>When it returns zero, that means it return to the main function.</a:t>
+            </a:r>
+          </a:p>
+          <a:p>
+            <a:pPr marL="342900" indent="-342900" algn="l">
+              <a:buClr>
+                <a:srgbClr val="0070C0"/>
+              </a:buClr>
+              <a:buSzPct val="80000"/>
+              <a:buFont typeface="Wingdings" pitchFamily="2" charset="2"/>
+              <a:buChar char="u"/>
+            </a:pPr>
+            <a:r>
+              <a:rPr lang="en-US" sz="1800" dirty="0">
+                <a:solidFill>
+                  <a:schemeClr val="tx1"/>
+                </a:solidFill>
+              </a:rPr>
+              <a:t>Return 0 to main function means that your program finished running and ended successfully.</a:t>
+            </a:r>
+          </a:p>
+        </p:txBody>
+      </p:sp>
+      <p:sp>
+        <p:nvSpPr>
+          <p:cNvPr id="4" name="標題 1"/>
+          <p:cNvSpPr txBox="1">
+            <a:spLocks/>
+          </p:cNvSpPr>
+          <p:nvPr/>
+        </p:nvSpPr>
+        <p:spPr>
+          <a:xfrm>
+            <a:off x="0" y="764704"/>
+            <a:ext cx="9144000" cy="360040"/>
+          </a:xfrm>
+          <a:prstGeom prst="rect">
+            <a:avLst/>
+          </a:prstGeom>
+          <a:gradFill flip="none" rotWithShape="1">
+            <a:gsLst>
+              <a:gs pos="0">
+                <a:srgbClr val="00B0F0">
+                  <a:shade val="30000"/>
+                  <a:satMod val="115000"/>
+                </a:srgbClr>
+              </a:gs>
+              <a:gs pos="50000">
+                <a:srgbClr val="00B0F0">
+                  <a:shade val="67500"/>
+                  <a:satMod val="115000"/>
+                </a:srgbClr>
+              </a:gs>
+              <a:gs pos="100000">
+                <a:srgbClr val="00B0F0">
+                  <a:shade val="100000"/>
+                  <a:satMod val="115000"/>
+                </a:srgbClr>
+              </a:gs>
+            </a:gsLst>
+            <a:path path="circle">
+              <a:fillToRect t="100000" r="100000"/>
+            </a:path>
+            <a:tileRect l="-100000" b="-100000"/>
+          </a:gradFill>
+        </p:spPr>
+        <p:txBody>
+          <a:bodyPr vert="horz" lIns="91440" tIns="45720" rIns="91440" bIns="45720" rtlCol="0" anchor="ctr">
+            <a:normAutofit/>
+          </a:bodyPr>
+          <a:lstStyle/>
+          <a:p>
+            <a:pPr lvl="0">
+              <a:spcBef>
+                <a:spcPct val="0"/>
+              </a:spcBef>
+            </a:pPr>
+            <a:r>
+              <a:rPr lang="en-US" sz="1600" dirty="0"/>
+              <a:t>https://www.youtube.com/watch?v=HnuY7NhzLGM&amp;list=PLD0D54219E5F2544D&amp;index=4</a:t>
+            </a:r>
+            <a:endParaRPr kumimoji="0" lang="zh-TW" altLang="en-US" sz="1600" b="0" i="0" u="none" strike="noStrike" kern="1200" cap="none" spc="0" normalizeH="0" baseline="0" noProof="0" dirty="0">
+              <a:ln>
+                <a:noFill/>
+              </a:ln>
+              <a:solidFill>
+                <a:schemeClr val="tx1"/>
+              </a:solidFill>
+              <a:effectLst/>
+              <a:uLnTx/>
+              <a:uFillTx/>
+              <a:latin typeface="+mj-lt"/>
+              <a:ea typeface="+mj-ea"/>
+              <a:cs typeface="+mj-cs"/>
+            </a:endParaRPr>
+          </a:p>
+        </p:txBody>
+      </p:sp>
+      <p:sp>
+        <p:nvSpPr>
+          <p:cNvPr id="5" name="日期版面配置區 4"/>
+          <p:cNvSpPr>
+            <a:spLocks noGrp="1"/>
+          </p:cNvSpPr>
+          <p:nvPr>
+            <p:ph type="dt" sz="half" idx="10"/>
+          </p:nvPr>
+        </p:nvSpPr>
+        <p:spPr/>
+        <p:txBody>
+          <a:bodyPr/>
+          <a:lstStyle/>
+          <a:p>
+            <a:fld id="{A4F910E6-8D00-4BAF-8C48-9688E0B449D3}" type="datetime1">
+              <a:rPr lang="zh-TW" altLang="en-US" smtClean="0"/>
+              <a:pPr/>
+              <a:t>2022/10/31</a:t>
+            </a:fld>
+            <a:endParaRPr lang="zh-TW" altLang="en-US"/>
+          </a:p>
+        </p:txBody>
+      </p:sp>
+      <p:sp>
+        <p:nvSpPr>
+          <p:cNvPr id="6" name="投影片編號版面配置區 5"/>
+          <p:cNvSpPr>
+            <a:spLocks noGrp="1"/>
+          </p:cNvSpPr>
+          <p:nvPr>
+            <p:ph type="sldNum" sz="quarter" idx="12"/>
+          </p:nvPr>
+        </p:nvSpPr>
+        <p:spPr/>
+        <p:txBody>
+          <a:bodyPr/>
+          <a:lstStyle/>
+          <a:p>
+            <a:fld id="{E4D7E63D-91F2-4366-A2C4-1B00C9E2590E}" type="slidenum">
+              <a:rPr lang="zh-TW" altLang="en-US" smtClean="0"/>
+              <a:pPr/>
+              <a:t>9</a:t>
+            </a:fld>
+            <a:endParaRPr lang="zh-TW" altLang="en-US"/>
+          </a:p>
+        </p:txBody>
+      </p:sp>
+      <p:sp>
+        <p:nvSpPr>
+          <p:cNvPr id="14" name="Oval 13">
+            <a:extLst>
+              <a:ext uri="{FF2B5EF4-FFF2-40B4-BE49-F238E27FC236}">
+                <a16:creationId xmlns:a16="http://schemas.microsoft.com/office/drawing/2014/main" id="{ABB63CB5-6174-1F7B-C164-86F7AF2982BE}"/>
+              </a:ext>
+            </a:extLst>
+          </p:cNvPr>
+          <p:cNvSpPr/>
+          <p:nvPr/>
+        </p:nvSpPr>
+        <p:spPr>
+          <a:xfrm>
+            <a:off x="3619727" y="4093718"/>
+            <a:ext cx="253008" cy="236415"/>
+          </a:xfrm>
+          <a:prstGeom prst="ellipse">
+            <a:avLst/>
+          </a:prstGeom>
+          <a:solidFill>
+            <a:srgbClr val="FFFF00"/>
+          </a:solidFill>
+          <a:ln>
+            <a:solidFill>
+              <a:srgbClr val="C00000"/>
+            </a:solidFill>
+          </a:ln>
+        </p:spPr>
+        <p:style>
+          <a:lnRef idx="2">
+            <a:schemeClr val="accent1">
+              <a:shade val="50000"/>
+            </a:schemeClr>
+          </a:lnRef>
+          <a:fillRef idx="1">
+            <a:schemeClr val="accent1"/>
+          </a:fillRef>
+          <a:effectRef idx="0">
+            <a:schemeClr val="accent1"/>
+          </a:effectRef>
+          <a:fontRef idx="minor">
+            <a:schemeClr val="lt1"/>
+          </a:fontRef>
+        </p:style>
+        <p:txBody>
+          <a:bodyPr rtlCol="0" anchor="ctr"/>
+          <a:lstStyle/>
+          <a:p>
+            <a:pPr algn="ctr"/>
+            <a:r>
+              <a:rPr lang="en-US" sz="1000" dirty="0">
+                <a:solidFill>
+                  <a:schemeClr val="tx1"/>
+                </a:solidFill>
+              </a:rPr>
+              <a:t>1</a:t>
+            </a:r>
+          </a:p>
+        </p:txBody>
+      </p:sp>
+      <p:sp>
+        <p:nvSpPr>
+          <p:cNvPr id="15" name="Oval 14">
+            <a:extLst>
+              <a:ext uri="{FF2B5EF4-FFF2-40B4-BE49-F238E27FC236}">
+                <a16:creationId xmlns:a16="http://schemas.microsoft.com/office/drawing/2014/main" id="{CC240909-117D-A025-5AD4-0AB22C635D16}"/>
+              </a:ext>
+            </a:extLst>
+          </p:cNvPr>
+          <p:cNvSpPr/>
+          <p:nvPr/>
+        </p:nvSpPr>
+        <p:spPr>
+          <a:xfrm>
+            <a:off x="3619727" y="4505375"/>
+            <a:ext cx="253008" cy="247521"/>
+          </a:xfrm>
+          <a:prstGeom prst="ellipse">
+            <a:avLst/>
+          </a:prstGeom>
+          <a:solidFill>
+            <a:srgbClr val="FFFF00"/>
+          </a:solidFill>
+          <a:ln>
+            <a:solidFill>
+              <a:srgbClr val="C00000"/>
+            </a:solidFill>
+          </a:ln>
+        </p:spPr>
+        <p:style>
+          <a:lnRef idx="2">
+            <a:schemeClr val="accent1">
+              <a:shade val="50000"/>
+            </a:schemeClr>
+          </a:lnRef>
+          <a:fillRef idx="1">
+            <a:schemeClr val="accent1"/>
+          </a:fillRef>
+          <a:effectRef idx="0">
+            <a:schemeClr val="accent1"/>
+          </a:effectRef>
+          <a:fontRef idx="minor">
+            <a:schemeClr val="lt1"/>
+          </a:fontRef>
+        </p:style>
+        <p:txBody>
+          <a:bodyPr rtlCol="0" anchor="ctr"/>
+          <a:lstStyle/>
+          <a:p>
+            <a:pPr algn="ctr"/>
+            <a:r>
+              <a:rPr lang="en-US" sz="1000" dirty="0">
+                <a:solidFill>
+                  <a:schemeClr val="tx1"/>
+                </a:solidFill>
+              </a:rPr>
+              <a:t>2</a:t>
+            </a:r>
+          </a:p>
+        </p:txBody>
+      </p:sp>
+      <p:sp>
+        <p:nvSpPr>
+          <p:cNvPr id="17" name="Oval 16">
+            <a:extLst>
+              <a:ext uri="{FF2B5EF4-FFF2-40B4-BE49-F238E27FC236}">
+                <a16:creationId xmlns:a16="http://schemas.microsoft.com/office/drawing/2014/main" id="{50761546-0935-6EB4-FEED-5DB2D8893ED0}"/>
+              </a:ext>
+            </a:extLst>
+          </p:cNvPr>
+          <p:cNvSpPr/>
+          <p:nvPr/>
+        </p:nvSpPr>
+        <p:spPr>
+          <a:xfrm>
+            <a:off x="4020767" y="4752896"/>
+            <a:ext cx="253008" cy="247520"/>
+          </a:xfrm>
+          <a:prstGeom prst="ellipse">
+            <a:avLst/>
+          </a:prstGeom>
+          <a:solidFill>
+            <a:srgbClr val="FFFF00"/>
+          </a:solidFill>
+          <a:ln>
+            <a:solidFill>
+              <a:srgbClr val="C00000"/>
+            </a:solidFill>
+          </a:ln>
+        </p:spPr>
+        <p:style>
+          <a:lnRef idx="2">
+            <a:schemeClr val="accent1">
+              <a:shade val="50000"/>
+            </a:schemeClr>
+          </a:lnRef>
+          <a:fillRef idx="1">
+            <a:schemeClr val="accent1"/>
+          </a:fillRef>
+          <a:effectRef idx="0">
+            <a:schemeClr val="accent1"/>
+          </a:effectRef>
+          <a:fontRef idx="minor">
+            <a:schemeClr val="lt1"/>
+          </a:fontRef>
+        </p:style>
+        <p:txBody>
+          <a:bodyPr rtlCol="0" anchor="ctr"/>
+          <a:lstStyle/>
+          <a:p>
+            <a:pPr algn="ctr"/>
+            <a:r>
+              <a:rPr lang="en-US" sz="1000" dirty="0">
+                <a:solidFill>
+                  <a:schemeClr val="tx1"/>
+                </a:solidFill>
+              </a:rPr>
+              <a:t>3</a:t>
+            </a:r>
+          </a:p>
+        </p:txBody>
+      </p:sp>
+      <p:sp>
+        <p:nvSpPr>
+          <p:cNvPr id="18" name="Oval 17">
+            <a:extLst>
+              <a:ext uri="{FF2B5EF4-FFF2-40B4-BE49-F238E27FC236}">
+                <a16:creationId xmlns:a16="http://schemas.microsoft.com/office/drawing/2014/main" id="{EAD8F369-8774-B72B-DA55-7C4278E4AC3E}"/>
+              </a:ext>
+            </a:extLst>
+          </p:cNvPr>
+          <p:cNvSpPr/>
+          <p:nvPr/>
+        </p:nvSpPr>
+        <p:spPr>
+          <a:xfrm>
+            <a:off x="4020767" y="5499560"/>
+            <a:ext cx="253008" cy="216024"/>
+          </a:xfrm>
+          <a:prstGeom prst="ellipse">
+            <a:avLst/>
+          </a:prstGeom>
+          <a:solidFill>
+            <a:srgbClr val="FFFF00"/>
+          </a:solidFill>
+          <a:ln>
+            <a:solidFill>
+              <a:srgbClr val="C00000"/>
+            </a:solidFill>
+          </a:ln>
+        </p:spPr>
+        <p:style>
+          <a:lnRef idx="2">
+            <a:schemeClr val="accent1">
+              <a:shade val="50000"/>
+            </a:schemeClr>
+          </a:lnRef>
+          <a:fillRef idx="1">
+            <a:schemeClr val="accent1"/>
+          </a:fillRef>
+          <a:effectRef idx="0">
+            <a:schemeClr val="accent1"/>
+          </a:effectRef>
+          <a:fontRef idx="minor">
+            <a:schemeClr val="lt1"/>
+          </a:fontRef>
+        </p:style>
+        <p:txBody>
+          <a:bodyPr rtlCol="0" anchor="ctr"/>
+          <a:lstStyle/>
+          <a:p>
+            <a:pPr algn="ctr"/>
+            <a:r>
+              <a:rPr lang="en-US" sz="1000" dirty="0">
+                <a:solidFill>
+                  <a:schemeClr val="tx1"/>
+                </a:solidFill>
+              </a:rPr>
+              <a:t>4</a:t>
+            </a:r>
+          </a:p>
+        </p:txBody>
+      </p:sp>
+    </p:spTree>
+    <p:extLst>
+      <p:ext uri="{BB962C8B-B14F-4D97-AF65-F5344CB8AC3E}">
+        <p14:creationId xmlns:p14="http://schemas.microsoft.com/office/powerpoint/2010/main" val="86825845"/>
+      </p:ext>
+    </p:extLst>
   </p:cSld>
   <p:clrMapOvr>
     <a:masterClrMapping/>
